--- a/Presentacion - Entrega 1 - Grupo 2 - Arroyo Guadalupe - Avalos Manuel - Farias Federico .pptx
+++ b/Presentacion - Entrega 1 - Grupo 2 - Arroyo Guadalupe - Avalos Manuel - Farias Federico .pptx
@@ -275,7 +275,7 @@
       </p15:sldGuideLst>
     </p:ext>
     <p:ext uri="GoogleSlidesCustomDataVersion2">
-      <go:slidesCustomData xmlns:go="http://customooxmlschemas.google.com/" r:id="rId20" roundtripDataSignature="AMtx7mi7rYh/2vfj3VdmBFegU5banmg0tg=="/>
+      <go:slidesCustomData xmlns:go="http://customooxmlschemas.google.com/" r:id="rId20" roundtripDataSignature="AMtx7mgqd3SV1Tu3JSUi/WBrrX/XpGTGKw=="/>
     </p:ext>
   </p:extLst>
 </p:presentation>
@@ -1765,7 +1765,7 @@
       </p:grpSpPr>
       <p:sp>
         <p:nvSpPr>
-          <p:cNvPr id="300" name="Google Shape;300;p3:notes"/>
+          <p:cNvPr id="300" name="Google Shape;300;p6:notes"/>
           <p:cNvSpPr txBox="1"/>
           <p:nvPr>
             <p:ph idx="1" type="body"/>
@@ -1804,7 +1804,7 @@
       </p:sp>
       <p:sp>
         <p:nvSpPr>
-          <p:cNvPr id="301" name="Google Shape;301;p3:notes"/>
+          <p:cNvPr id="301" name="Google Shape;301;p6:notes"/>
           <p:cNvSpPr/>
           <p:nvPr>
             <p:ph idx="2" type="sldImg"/>
@@ -1864,7 +1864,7 @@
       </p:grpSpPr>
       <p:sp>
         <p:nvSpPr>
-          <p:cNvPr id="305" name="Google Shape;305;p4:notes"/>
+          <p:cNvPr id="305" name="Google Shape;305;p7:notes"/>
           <p:cNvSpPr txBox="1"/>
           <p:nvPr>
             <p:ph idx="1" type="body"/>
@@ -1903,7 +1903,7 @@
       </p:sp>
       <p:sp>
         <p:nvSpPr>
-          <p:cNvPr id="306" name="Google Shape;306;p4:notes"/>
+          <p:cNvPr id="306" name="Google Shape;306;p7:notes"/>
           <p:cNvSpPr/>
           <p:nvPr>
             <p:ph idx="2" type="sldImg"/>
@@ -1949,7 +1949,7 @@
   <p:cSld>
     <p:spTree>
       <p:nvGrpSpPr>
-        <p:cNvPr id="316" name="Shape 316"/>
+        <p:cNvPr id="315" name="Shape 315"/>
         <p:cNvGrpSpPr/>
         <p:nvPr/>
       </p:nvGrpSpPr>
@@ -1963,7 +1963,7 @@
       </p:grpSpPr>
       <p:sp>
         <p:nvSpPr>
-          <p:cNvPr id="317" name="Google Shape;317;p5:notes"/>
+          <p:cNvPr id="316" name="Google Shape;316;p8:notes"/>
           <p:cNvSpPr txBox="1"/>
           <p:nvPr>
             <p:ph idx="1" type="body"/>
@@ -2002,7 +2002,7 @@
       </p:sp>
       <p:sp>
         <p:nvSpPr>
-          <p:cNvPr id="318" name="Google Shape;318;p5:notes"/>
+          <p:cNvPr id="317" name="Google Shape;317;p8:notes"/>
           <p:cNvSpPr/>
           <p:nvPr>
             <p:ph idx="2" type="sldImg"/>
@@ -2048,7 +2048,7 @@
   <p:cSld>
     <p:spTree>
       <p:nvGrpSpPr>
-        <p:cNvPr id="329" name="Shape 329"/>
+        <p:cNvPr id="326" name="Shape 326"/>
         <p:cNvGrpSpPr/>
         <p:nvPr/>
       </p:nvGrpSpPr>
@@ -2062,7 +2062,7 @@
       </p:grpSpPr>
       <p:sp>
         <p:nvSpPr>
-          <p:cNvPr id="330" name="Google Shape;330;p6:notes"/>
+          <p:cNvPr id="327" name="Google Shape;327;p3:notes"/>
           <p:cNvSpPr txBox="1"/>
           <p:nvPr>
             <p:ph idx="1" type="body"/>
@@ -2101,7 +2101,7 @@
       </p:sp>
       <p:sp>
         <p:nvSpPr>
-          <p:cNvPr id="331" name="Google Shape;331;p6:notes"/>
+          <p:cNvPr id="328" name="Google Shape;328;p3:notes"/>
           <p:cNvSpPr/>
           <p:nvPr>
             <p:ph idx="2" type="sldImg"/>
@@ -2147,7 +2147,7 @@
   <p:cSld>
     <p:spTree>
       <p:nvGrpSpPr>
-        <p:cNvPr id="334" name="Shape 334"/>
+        <p:cNvPr id="331" name="Shape 331"/>
         <p:cNvGrpSpPr/>
         <p:nvPr/>
       </p:nvGrpSpPr>
@@ -2161,7 +2161,7 @@
       </p:grpSpPr>
       <p:sp>
         <p:nvSpPr>
-          <p:cNvPr id="335" name="Google Shape;335;p7:notes"/>
+          <p:cNvPr id="332" name="Google Shape;332;p4:notes"/>
           <p:cNvSpPr txBox="1"/>
           <p:nvPr>
             <p:ph idx="1" type="body"/>
@@ -2200,7 +2200,7 @@
       </p:sp>
       <p:sp>
         <p:nvSpPr>
-          <p:cNvPr id="336" name="Google Shape;336;p7:notes"/>
+          <p:cNvPr id="333" name="Google Shape;333;p4:notes"/>
           <p:cNvSpPr/>
           <p:nvPr>
             <p:ph idx="2" type="sldImg"/>
@@ -2246,7 +2246,7 @@
   <p:cSld>
     <p:spTree>
       <p:nvGrpSpPr>
-        <p:cNvPr id="345" name="Shape 345"/>
+        <p:cNvPr id="343" name="Shape 343"/>
         <p:cNvGrpSpPr/>
         <p:nvPr/>
       </p:nvGrpSpPr>
@@ -2260,7 +2260,7 @@
       </p:grpSpPr>
       <p:sp>
         <p:nvSpPr>
-          <p:cNvPr id="346" name="Google Shape;346;p8:notes"/>
+          <p:cNvPr id="344" name="Google Shape;344;p5:notes"/>
           <p:cNvSpPr txBox="1"/>
           <p:nvPr>
             <p:ph idx="1" type="body"/>
@@ -2299,7 +2299,7 @@
       </p:sp>
       <p:sp>
         <p:nvSpPr>
-          <p:cNvPr id="347" name="Google Shape;347;p8:notes"/>
+          <p:cNvPr id="345" name="Google Shape;345;p5:notes"/>
           <p:cNvSpPr/>
           <p:nvPr>
             <p:ph idx="2" type="sldImg"/>
@@ -42908,2397 +42908,7 @@
       </p:grpSpPr>
       <p:sp>
         <p:nvSpPr>
-          <p:cNvPr id="303" name="Google Shape;303;p3"/>
-          <p:cNvSpPr txBox="1"/>
-          <p:nvPr>
-            <p:ph type="title"/>
-          </p:nvPr>
-        </p:nvSpPr>
-        <p:spPr>
-          <a:xfrm>
-            <a:off x="1262478" y="2766218"/>
-            <a:ext cx="3531464" cy="1325563"/>
-          </a:xfrm>
-          <a:prstGeom prst="rect">
-            <a:avLst/>
-          </a:prstGeom>
-          <a:noFill/>
-          <a:ln>
-            <a:noFill/>
-          </a:ln>
-        </p:spPr>
-        <p:txBody>
-          <a:bodyPr anchorCtr="0" anchor="b" bIns="45700" lIns="91425" spcFirstLastPara="1" rIns="91425" wrap="square" tIns="45700">
-            <a:normAutofit/>
-          </a:bodyPr>
-          <a:lstStyle/>
-          <a:p>
-            <a:pPr indent="0" lvl="0" marL="0" rtl="0" algn="l">
-              <a:lnSpc>
-                <a:spcPct val="90000"/>
-              </a:lnSpc>
-              <a:spcBef>
-                <a:spcPts val="0"/>
-              </a:spcBef>
-              <a:spcAft>
-                <a:spcPts val="0"/>
-              </a:spcAft>
-              <a:buClr>
-                <a:schemeClr val="lt1"/>
-              </a:buClr>
-              <a:buSzPts val="2800"/>
-              <a:buFont typeface="Arial"/>
-              <a:buNone/>
-            </a:pPr>
-            <a:r>
-              <a:rPr lang="en-US">
-                <a:latin typeface="Montserrat Medium"/>
-                <a:ea typeface="Montserrat Medium"/>
-                <a:cs typeface="Montserrat Medium"/>
-                <a:sym typeface="Montserrat Medium"/>
-              </a:rPr>
-              <a:t>INVESTIGACIÓN Y DEFINICIONES</a:t>
-            </a:r>
-            <a:endParaRPr>
-              <a:latin typeface="Montserrat Medium"/>
-              <a:ea typeface="Montserrat Medium"/>
-              <a:cs typeface="Montserrat Medium"/>
-              <a:sym typeface="Montserrat Medium"/>
-            </a:endParaRPr>
-          </a:p>
-        </p:txBody>
-      </p:sp>
-    </p:spTree>
-  </p:cSld>
-  <p:clrMapOvr>
-    <a:masterClrMapping/>
-  </p:clrMapOvr>
-  <p:timing>
-    <p:tnLst>
-      <p:par>
-        <p:cTn dur="indefinite" nodeType="tmRoot" restart="never">
-          <p:childTnLst>
-            <p:seq concurrent="1" nextAc="seek">
-              <p:cTn dur="indefinite" id="2" nodeType="mainSeq">
-                <p:childTnLst>
-                  <p:par>
-                    <p:cTn fill="hold">
-                      <p:stCondLst>
-                        <p:cond delay="indefinite"/>
-                        <p:cond evt="onBegin" delay="0">
-                          <p:tn val="2"/>
-                        </p:cond>
-                      </p:stCondLst>
-                      <p:childTnLst>
-                        <p:par>
-                          <p:cTn fill="hold">
-                            <p:stCondLst>
-                              <p:cond delay="0"/>
-                            </p:stCondLst>
-                            <p:childTnLst>
-                              <p:par>
-                                <p:cTn fill="hold" nodeType="afterEffect" presetClass="entr" presetID="10" presetSubtype="0">
-                                  <p:stCondLst>
-                                    <p:cond delay="0"/>
-                                  </p:stCondLst>
-                                  <p:childTnLst>
-                                    <p:set>
-                                      <p:cBhvr>
-                                        <p:cTn dur="1" fill="hold">
-                                          <p:stCondLst>
-                                            <p:cond delay="0"/>
-                                          </p:stCondLst>
-                                        </p:cTn>
-                                        <p:tgtEl>
-                                          <p:spTgt spid="303"/>
-                                        </p:tgtEl>
-                                        <p:attrNameLst>
-                                          <p:attrName>style.visibility</p:attrName>
-                                        </p:attrNameLst>
-                                      </p:cBhvr>
-                                      <p:to>
-                                        <p:strVal val="visible"/>
-                                      </p:to>
-                                    </p:set>
-                                    <p:animEffect filter="fade" transition="in">
-                                      <p:cBhvr>
-                                        <p:cTn dur="1500"/>
-                                        <p:tgtEl>
-                                          <p:spTgt spid="303"/>
-                                        </p:tgtEl>
-                                      </p:cBhvr>
-                                    </p:animEffect>
-                                  </p:childTnLst>
-                                </p:cTn>
-                              </p:par>
-                            </p:childTnLst>
-                          </p:cTn>
-                        </p:par>
-                      </p:childTnLst>
-                    </p:cTn>
-                  </p:par>
-                </p:childTnLst>
-              </p:cTn>
-              <p:prevCondLst>
-                <p:cond evt="onPrev">
-                  <p:tgtEl>
-                    <p:sldTgt/>
-                  </p:tgtEl>
-                </p:cond>
-              </p:prevCondLst>
-              <p:nextCondLst>
-                <p:cond evt="onNext">
-                  <p:tgtEl>
-                    <p:sldTgt/>
-                  </p:tgtEl>
-                </p:cond>
-              </p:nextCondLst>
-            </p:seq>
-          </p:childTnLst>
-        </p:cTn>
-      </p:par>
-    </p:tnLst>
-  </p:timing>
-</p:sld>
-</file>
-
-<file path=ppt/slides/slide4.xml><?xml version="1.0" encoding="utf-8"?>
-<p:sld xmlns:a="http://schemas.openxmlformats.org/drawingml/2006/main" xmlns:r="http://schemas.openxmlformats.org/officeDocument/2006/relationships" xmlns:mc="http://schemas.openxmlformats.org/markup-compatibility/2006" xmlns:mv="urn:schemas-microsoft-com:mac:vml" xmlns:p="http://schemas.openxmlformats.org/presentationml/2006/main" xmlns:c="http://schemas.openxmlformats.org/drawingml/2006/chart" xmlns:dgm="http://schemas.openxmlformats.org/drawingml/2006/diagram" xmlns:o="urn:schemas-microsoft-com:office:office" xmlns:v="urn:schemas-microsoft-com:vml" xmlns:pvml="urn:schemas-microsoft-com:office:powerpoint" xmlns:com="http://schemas.openxmlformats.org/drawingml/2006/compatibility" xmlns:p14="http://schemas.microsoft.com/office/powerpoint/2010/main" xmlns:p15="http://schemas.microsoft.com/office/powerpoint/2012/main" xmlns:ahyp="http://schemas.microsoft.com/office/drawing/2018/hyperlinkcolor">
-  <p:cSld>
-    <p:spTree>
-      <p:nvGrpSpPr>
-        <p:cNvPr id="307" name="Shape 307"/>
-        <p:cNvGrpSpPr/>
-        <p:nvPr/>
-      </p:nvGrpSpPr>
-      <p:grpSpPr>
-        <a:xfrm>
-          <a:off x="0" y="0"/>
-          <a:ext cx="0" cy="0"/>
-          <a:chOff x="0" y="0"/>
-          <a:chExt cx="0" cy="0"/>
-        </a:xfrm>
-      </p:grpSpPr>
-      <p:sp>
-        <p:nvSpPr>
-          <p:cNvPr id="308" name="Google Shape;308;p4"/>
-          <p:cNvSpPr txBox="1"/>
-          <p:nvPr>
-            <p:ph idx="1" type="body"/>
-          </p:nvPr>
-        </p:nvSpPr>
-        <p:spPr>
-          <a:xfrm>
-            <a:off x="148318" y="1481138"/>
-            <a:ext cx="2141764" cy="514350"/>
-          </a:xfrm>
-          <a:prstGeom prst="rect">
-            <a:avLst/>
-          </a:prstGeom>
-          <a:noFill/>
-          <a:ln>
-            <a:noFill/>
-          </a:ln>
-        </p:spPr>
-        <p:txBody>
-          <a:bodyPr anchorCtr="0" anchor="ctr" bIns="45700" lIns="91425" spcFirstLastPara="1" rIns="91425" wrap="square" tIns="45700">
-            <a:normAutofit lnSpcReduction="10000"/>
-          </a:bodyPr>
-          <a:lstStyle/>
-          <a:p>
-            <a:pPr indent="0" lvl="0" marL="0" rtl="0" algn="r">
-              <a:lnSpc>
-                <a:spcPct val="90000"/>
-              </a:lnSpc>
-              <a:spcBef>
-                <a:spcPts val="0"/>
-              </a:spcBef>
-              <a:spcAft>
-                <a:spcPts val="0"/>
-              </a:spcAft>
-              <a:buClr>
-                <a:schemeClr val="dk1"/>
-              </a:buClr>
-              <a:buSzPts val="1600"/>
-              <a:buNone/>
-            </a:pPr>
-            <a:r>
-              <a:rPr lang="en-US">
-                <a:latin typeface="Montserrat Medium"/>
-                <a:ea typeface="Montserrat Medium"/>
-                <a:cs typeface="Montserrat Medium"/>
-                <a:sym typeface="Montserrat Medium"/>
-              </a:rPr>
-              <a:t>INTELIGENCIA ARTIFICIAL</a:t>
-            </a:r>
-            <a:endParaRPr>
-              <a:latin typeface="Montserrat Medium"/>
-              <a:ea typeface="Montserrat Medium"/>
-              <a:cs typeface="Montserrat Medium"/>
-              <a:sym typeface="Montserrat Medium"/>
-            </a:endParaRPr>
-          </a:p>
-        </p:txBody>
-      </p:sp>
-      <p:sp>
-        <p:nvSpPr>
-          <p:cNvPr id="309" name="Google Shape;309;p4"/>
-          <p:cNvSpPr txBox="1"/>
-          <p:nvPr>
-            <p:ph idx="2" type="body"/>
-          </p:nvPr>
-        </p:nvSpPr>
-        <p:spPr>
-          <a:xfrm>
-            <a:off x="488272" y="2557463"/>
-            <a:ext cx="2367867" cy="514350"/>
-          </a:xfrm>
-          <a:prstGeom prst="rect">
-            <a:avLst/>
-          </a:prstGeom>
-          <a:noFill/>
-          <a:ln>
-            <a:noFill/>
-          </a:ln>
-        </p:spPr>
-        <p:txBody>
-          <a:bodyPr anchorCtr="0" anchor="ctr" bIns="45700" lIns="91425" spcFirstLastPara="1" rIns="91425" wrap="square" tIns="45700">
-            <a:noAutofit/>
-          </a:bodyPr>
-          <a:lstStyle/>
-          <a:p>
-            <a:pPr indent="0" lvl="0" marL="0" rtl="0" algn="r">
-              <a:lnSpc>
-                <a:spcPct val="90000"/>
-              </a:lnSpc>
-              <a:spcBef>
-                <a:spcPts val="0"/>
-              </a:spcBef>
-              <a:spcAft>
-                <a:spcPts val="0"/>
-              </a:spcAft>
-              <a:buClr>
-                <a:schemeClr val="dk1"/>
-              </a:buClr>
-              <a:buSzPts val="1600"/>
-              <a:buNone/>
-            </a:pPr>
-            <a:r>
-              <a:rPr lang="en-US">
-                <a:latin typeface="Montserrat Medium"/>
-                <a:ea typeface="Montserrat Medium"/>
-                <a:cs typeface="Montserrat Medium"/>
-                <a:sym typeface="Montserrat Medium"/>
-              </a:rPr>
-              <a:t>MACHINE LEARNING</a:t>
-            </a:r>
-            <a:endParaRPr>
-              <a:latin typeface="Montserrat Medium"/>
-              <a:ea typeface="Montserrat Medium"/>
-              <a:cs typeface="Montserrat Medium"/>
-              <a:sym typeface="Montserrat Medium"/>
-            </a:endParaRPr>
-          </a:p>
-        </p:txBody>
-      </p:sp>
-      <p:sp>
-        <p:nvSpPr>
-          <p:cNvPr id="310" name="Google Shape;310;p4"/>
-          <p:cNvSpPr txBox="1"/>
-          <p:nvPr>
-            <p:ph idx="3" type="body"/>
-          </p:nvPr>
-        </p:nvSpPr>
-        <p:spPr>
-          <a:xfrm>
-            <a:off x="1320800" y="3633788"/>
-            <a:ext cx="2141764" cy="514350"/>
-          </a:xfrm>
-          <a:prstGeom prst="rect">
-            <a:avLst/>
-          </a:prstGeom>
-          <a:noFill/>
-          <a:ln>
-            <a:noFill/>
-          </a:ln>
-        </p:spPr>
-        <p:txBody>
-          <a:bodyPr anchorCtr="0" anchor="ctr" bIns="45700" lIns="91425" spcFirstLastPara="1" rIns="91425" wrap="square" tIns="45700">
-            <a:noAutofit/>
-          </a:bodyPr>
-          <a:lstStyle/>
-          <a:p>
-            <a:pPr indent="0" lvl="0" marL="0" rtl="0" algn="r">
-              <a:lnSpc>
-                <a:spcPct val="90000"/>
-              </a:lnSpc>
-              <a:spcBef>
-                <a:spcPts val="0"/>
-              </a:spcBef>
-              <a:spcAft>
-                <a:spcPts val="0"/>
-              </a:spcAft>
-              <a:buClr>
-                <a:schemeClr val="dk1"/>
-              </a:buClr>
-              <a:buSzPts val="1600"/>
-              <a:buNone/>
-            </a:pPr>
-            <a:r>
-              <a:rPr lang="en-US">
-                <a:latin typeface="Montserrat Medium"/>
-                <a:ea typeface="Montserrat Medium"/>
-                <a:cs typeface="Montserrat Medium"/>
-                <a:sym typeface="Montserrat Medium"/>
-              </a:rPr>
-              <a:t>DEEP LEARNING</a:t>
-            </a:r>
-            <a:endParaRPr>
-              <a:latin typeface="Montserrat Medium"/>
-              <a:ea typeface="Montserrat Medium"/>
-              <a:cs typeface="Montserrat Medium"/>
-              <a:sym typeface="Montserrat Medium"/>
-            </a:endParaRPr>
-          </a:p>
-        </p:txBody>
-      </p:sp>
-      <p:sp>
-        <p:nvSpPr>
-          <p:cNvPr id="311" name="Google Shape;311;p4"/>
-          <p:cNvSpPr txBox="1"/>
-          <p:nvPr>
-            <p:ph idx="4" type="body"/>
-          </p:nvPr>
-        </p:nvSpPr>
-        <p:spPr>
-          <a:xfrm>
-            <a:off x="1905000" y="4710114"/>
-            <a:ext cx="2141764" cy="514350"/>
-          </a:xfrm>
-          <a:prstGeom prst="rect">
-            <a:avLst/>
-          </a:prstGeom>
-          <a:noFill/>
-          <a:ln>
-            <a:noFill/>
-          </a:ln>
-        </p:spPr>
-        <p:txBody>
-          <a:bodyPr anchorCtr="0" anchor="ctr" bIns="45700" lIns="91425" spcFirstLastPara="1" rIns="91425" wrap="square" tIns="45700">
-            <a:noAutofit/>
-          </a:bodyPr>
-          <a:lstStyle/>
-          <a:p>
-            <a:pPr indent="0" lvl="0" marL="0" rtl="0" algn="r">
-              <a:lnSpc>
-                <a:spcPct val="90000"/>
-              </a:lnSpc>
-              <a:spcBef>
-                <a:spcPts val="0"/>
-              </a:spcBef>
-              <a:spcAft>
-                <a:spcPts val="0"/>
-              </a:spcAft>
-              <a:buClr>
-                <a:schemeClr val="dk1"/>
-              </a:buClr>
-              <a:buSzPts val="1600"/>
-              <a:buNone/>
-            </a:pPr>
-            <a:r>
-              <a:rPr lang="en-US">
-                <a:latin typeface="Montserrat Medium"/>
-                <a:ea typeface="Montserrat Medium"/>
-                <a:cs typeface="Montserrat Medium"/>
-                <a:sym typeface="Montserrat Medium"/>
-              </a:rPr>
-              <a:t>DATA SCIENCE</a:t>
-            </a:r>
-            <a:endParaRPr>
-              <a:latin typeface="Montserrat Medium"/>
-              <a:ea typeface="Montserrat Medium"/>
-              <a:cs typeface="Montserrat Medium"/>
-              <a:sym typeface="Montserrat Medium"/>
-            </a:endParaRPr>
-          </a:p>
-        </p:txBody>
-      </p:sp>
-      <p:sp>
-        <p:nvSpPr>
-          <p:cNvPr id="312" name="Google Shape;312;p4"/>
-          <p:cNvSpPr txBox="1"/>
-          <p:nvPr>
-            <p:ph idx="5" type="body"/>
-          </p:nvPr>
-        </p:nvSpPr>
-        <p:spPr>
-          <a:xfrm>
-            <a:off x="4401535" y="1594478"/>
-            <a:ext cx="5539095" cy="1010842"/>
-          </a:xfrm>
-          <a:prstGeom prst="rect">
-            <a:avLst/>
-          </a:prstGeom>
-          <a:noFill/>
-          <a:ln>
-            <a:noFill/>
-          </a:ln>
-        </p:spPr>
-        <p:txBody>
-          <a:bodyPr anchorCtr="0" anchor="t" bIns="45700" lIns="91425" spcFirstLastPara="1" rIns="91425" wrap="square" tIns="45700">
-            <a:normAutofit/>
-          </a:bodyPr>
-          <a:lstStyle/>
-          <a:p>
-            <a:pPr indent="0" lvl="0" marL="0" rtl="0" algn="l">
-              <a:lnSpc>
-                <a:spcPct val="100000"/>
-              </a:lnSpc>
-              <a:spcBef>
-                <a:spcPts val="0"/>
-              </a:spcBef>
-              <a:spcAft>
-                <a:spcPts val="0"/>
-              </a:spcAft>
-              <a:buClr>
-                <a:schemeClr val="dk1"/>
-              </a:buClr>
-              <a:buSzPts val="1400"/>
-              <a:buNone/>
-            </a:pPr>
-            <a:r>
-              <a:rPr lang="en-US">
-                <a:latin typeface="Montserrat Medium"/>
-                <a:ea typeface="Montserrat Medium"/>
-                <a:cs typeface="Montserrat Medium"/>
-                <a:sym typeface="Montserrat Medium"/>
-              </a:rPr>
-              <a:t>Sistemas informáticos que buscan imitar la inteligencia humana</a:t>
-            </a:r>
-            <a:endParaRPr>
-              <a:latin typeface="Montserrat Medium"/>
-              <a:ea typeface="Montserrat Medium"/>
-              <a:cs typeface="Montserrat Medium"/>
-              <a:sym typeface="Montserrat Medium"/>
-            </a:endParaRPr>
-          </a:p>
-          <a:p>
-            <a:pPr indent="0" lvl="0" marL="0" rtl="0" algn="l">
-              <a:lnSpc>
-                <a:spcPct val="100000"/>
-              </a:lnSpc>
-              <a:spcBef>
-                <a:spcPts val="1000"/>
-              </a:spcBef>
-              <a:spcAft>
-                <a:spcPts val="0"/>
-              </a:spcAft>
-              <a:buClr>
-                <a:schemeClr val="dk1"/>
-              </a:buClr>
-              <a:buSzPts val="1400"/>
-              <a:buNone/>
-            </a:pPr>
-            <a:r>
-              <a:t/>
-            </a:r>
-            <a:endParaRPr>
-              <a:latin typeface="Montserrat Medium"/>
-              <a:ea typeface="Montserrat Medium"/>
-              <a:cs typeface="Montserrat Medium"/>
-              <a:sym typeface="Montserrat Medium"/>
-            </a:endParaRPr>
-          </a:p>
-        </p:txBody>
-      </p:sp>
-      <p:sp>
-        <p:nvSpPr>
-          <p:cNvPr id="313" name="Google Shape;313;p4"/>
-          <p:cNvSpPr txBox="1"/>
-          <p:nvPr>
-            <p:ph idx="6" type="body"/>
-          </p:nvPr>
-        </p:nvSpPr>
-        <p:spPr>
-          <a:xfrm>
-            <a:off x="4986028" y="2673328"/>
-            <a:ext cx="5539095" cy="1010842"/>
-          </a:xfrm>
-          <a:prstGeom prst="rect">
-            <a:avLst/>
-          </a:prstGeom>
-          <a:noFill/>
-          <a:ln>
-            <a:noFill/>
-          </a:ln>
-        </p:spPr>
-        <p:txBody>
-          <a:bodyPr anchorCtr="0" anchor="t" bIns="45700" lIns="91425" spcFirstLastPara="1" rIns="91425" wrap="square" tIns="45700">
-            <a:normAutofit/>
-          </a:bodyPr>
-          <a:lstStyle/>
-          <a:p>
-            <a:pPr indent="0" lvl="0" marL="0" rtl="0" algn="l">
-              <a:lnSpc>
-                <a:spcPct val="100000"/>
-              </a:lnSpc>
-              <a:spcBef>
-                <a:spcPts val="0"/>
-              </a:spcBef>
-              <a:spcAft>
-                <a:spcPts val="0"/>
-              </a:spcAft>
-              <a:buClr>
-                <a:schemeClr val="dk1"/>
-              </a:buClr>
-              <a:buSzPts val="1400"/>
-              <a:buNone/>
-            </a:pPr>
-            <a:r>
-              <a:rPr lang="en-US">
-                <a:latin typeface="Montserrat Medium"/>
-                <a:ea typeface="Montserrat Medium"/>
-                <a:cs typeface="Montserrat Medium"/>
-                <a:sym typeface="Montserrat Medium"/>
-              </a:rPr>
-              <a:t>Aprendizaje automático y mejoras a partir de algoritmos</a:t>
-            </a:r>
-            <a:endParaRPr>
-              <a:latin typeface="Montserrat Medium"/>
-              <a:ea typeface="Montserrat Medium"/>
-              <a:cs typeface="Montserrat Medium"/>
-              <a:sym typeface="Montserrat Medium"/>
-            </a:endParaRPr>
-          </a:p>
-          <a:p>
-            <a:pPr indent="0" lvl="0" marL="0" rtl="0" algn="l">
-              <a:lnSpc>
-                <a:spcPct val="100000"/>
-              </a:lnSpc>
-              <a:spcBef>
-                <a:spcPts val="1000"/>
-              </a:spcBef>
-              <a:spcAft>
-                <a:spcPts val="0"/>
-              </a:spcAft>
-              <a:buClr>
-                <a:schemeClr val="dk1"/>
-              </a:buClr>
-              <a:buSzPts val="1400"/>
-              <a:buNone/>
-            </a:pPr>
-            <a:r>
-              <a:t/>
-            </a:r>
-            <a:endParaRPr>
-              <a:latin typeface="Montserrat Medium"/>
-              <a:ea typeface="Montserrat Medium"/>
-              <a:cs typeface="Montserrat Medium"/>
-              <a:sym typeface="Montserrat Medium"/>
-            </a:endParaRPr>
-          </a:p>
-        </p:txBody>
-      </p:sp>
-      <p:sp>
-        <p:nvSpPr>
-          <p:cNvPr id="314" name="Google Shape;314;p4"/>
-          <p:cNvSpPr txBox="1"/>
-          <p:nvPr>
-            <p:ph idx="7" type="body"/>
-          </p:nvPr>
-        </p:nvSpPr>
-        <p:spPr>
-          <a:xfrm>
-            <a:off x="5576937" y="3755394"/>
-            <a:ext cx="5539095" cy="1010842"/>
-          </a:xfrm>
-          <a:prstGeom prst="rect">
-            <a:avLst/>
-          </a:prstGeom>
-          <a:noFill/>
-          <a:ln>
-            <a:noFill/>
-          </a:ln>
-        </p:spPr>
-        <p:txBody>
-          <a:bodyPr anchorCtr="0" anchor="t" bIns="45700" lIns="91425" spcFirstLastPara="1" rIns="91425" wrap="square" tIns="45700">
-            <a:normAutofit/>
-          </a:bodyPr>
-          <a:lstStyle/>
-          <a:p>
-            <a:pPr indent="0" lvl="0" marL="0" rtl="0" algn="l">
-              <a:lnSpc>
-                <a:spcPct val="100000"/>
-              </a:lnSpc>
-              <a:spcBef>
-                <a:spcPts val="0"/>
-              </a:spcBef>
-              <a:spcAft>
-                <a:spcPts val="0"/>
-              </a:spcAft>
-              <a:buClr>
-                <a:schemeClr val="dk1"/>
-              </a:buClr>
-              <a:buSzPts val="1400"/>
-              <a:buNone/>
-            </a:pPr>
-            <a:r>
-              <a:rPr lang="en-US">
-                <a:latin typeface="Montserrat Medium"/>
-                <a:ea typeface="Montserrat Medium"/>
-                <a:cs typeface="Montserrat Medium"/>
-                <a:sym typeface="Montserrat Medium"/>
-              </a:rPr>
-              <a:t>Aprendizaje profundo mediante algoritmos que intentan simular acciones del cerebro humano</a:t>
-            </a:r>
-            <a:endParaRPr>
-              <a:latin typeface="Montserrat Medium"/>
-              <a:ea typeface="Montserrat Medium"/>
-              <a:cs typeface="Montserrat Medium"/>
-              <a:sym typeface="Montserrat Medium"/>
-            </a:endParaRPr>
-          </a:p>
-          <a:p>
-            <a:pPr indent="0" lvl="0" marL="0" rtl="0" algn="l">
-              <a:lnSpc>
-                <a:spcPct val="100000"/>
-              </a:lnSpc>
-              <a:spcBef>
-                <a:spcPts val="1000"/>
-              </a:spcBef>
-              <a:spcAft>
-                <a:spcPts val="0"/>
-              </a:spcAft>
-              <a:buClr>
-                <a:schemeClr val="dk1"/>
-              </a:buClr>
-              <a:buSzPts val="1400"/>
-              <a:buNone/>
-            </a:pPr>
-            <a:r>
-              <a:t/>
-            </a:r>
-            <a:endParaRPr>
-              <a:latin typeface="Montserrat Medium"/>
-              <a:ea typeface="Montserrat Medium"/>
-              <a:cs typeface="Montserrat Medium"/>
-              <a:sym typeface="Montserrat Medium"/>
-            </a:endParaRPr>
-          </a:p>
-        </p:txBody>
-      </p:sp>
-      <p:sp>
-        <p:nvSpPr>
-          <p:cNvPr id="315" name="Google Shape;315;p4"/>
-          <p:cNvSpPr txBox="1"/>
-          <p:nvPr>
-            <p:ph idx="8" type="body"/>
-          </p:nvPr>
-        </p:nvSpPr>
-        <p:spPr>
-          <a:xfrm>
-            <a:off x="6175279" y="4824430"/>
-            <a:ext cx="5539095" cy="1010842"/>
-          </a:xfrm>
-          <a:prstGeom prst="rect">
-            <a:avLst/>
-          </a:prstGeom>
-          <a:noFill/>
-          <a:ln>
-            <a:noFill/>
-          </a:ln>
-        </p:spPr>
-        <p:txBody>
-          <a:bodyPr anchorCtr="0" anchor="t" bIns="45700" lIns="91425" spcFirstLastPara="1" rIns="91425" wrap="square" tIns="45700">
-            <a:normAutofit/>
-          </a:bodyPr>
-          <a:lstStyle/>
-          <a:p>
-            <a:pPr indent="0" lvl="0" marL="0" rtl="0" algn="l">
-              <a:lnSpc>
-                <a:spcPct val="100000"/>
-              </a:lnSpc>
-              <a:spcBef>
-                <a:spcPts val="0"/>
-              </a:spcBef>
-              <a:spcAft>
-                <a:spcPts val="0"/>
-              </a:spcAft>
-              <a:buClr>
-                <a:schemeClr val="dk1"/>
-              </a:buClr>
-              <a:buSzPts val="1400"/>
-              <a:buNone/>
-            </a:pPr>
-            <a:r>
-              <a:rPr lang="en-US">
-                <a:latin typeface="Montserrat Medium"/>
-                <a:ea typeface="Montserrat Medium"/>
-                <a:cs typeface="Montserrat Medium"/>
-                <a:sym typeface="Montserrat Medium"/>
-              </a:rPr>
-              <a:t>Disciplina que utiliza diferentes métodos para procesar, analizar y extraer datos e información</a:t>
-            </a:r>
-            <a:endParaRPr>
-              <a:latin typeface="Montserrat Medium"/>
-              <a:ea typeface="Montserrat Medium"/>
-              <a:cs typeface="Montserrat Medium"/>
-              <a:sym typeface="Montserrat Medium"/>
-            </a:endParaRPr>
-          </a:p>
-          <a:p>
-            <a:pPr indent="0" lvl="0" marL="0" rtl="0" algn="l">
-              <a:lnSpc>
-                <a:spcPct val="100000"/>
-              </a:lnSpc>
-              <a:spcBef>
-                <a:spcPts val="1000"/>
-              </a:spcBef>
-              <a:spcAft>
-                <a:spcPts val="0"/>
-              </a:spcAft>
-              <a:buClr>
-                <a:schemeClr val="dk1"/>
-              </a:buClr>
-              <a:buSzPts val="1400"/>
-              <a:buNone/>
-            </a:pPr>
-            <a:r>
-              <a:t/>
-            </a:r>
-            <a:endParaRPr>
-              <a:latin typeface="Montserrat Medium"/>
-              <a:ea typeface="Montserrat Medium"/>
-              <a:cs typeface="Montserrat Medium"/>
-              <a:sym typeface="Montserrat Medium"/>
-            </a:endParaRPr>
-          </a:p>
-        </p:txBody>
-      </p:sp>
-    </p:spTree>
-  </p:cSld>
-  <p:clrMapOvr>
-    <a:masterClrMapping/>
-  </p:clrMapOvr>
-  <p:timing>
-    <p:tnLst>
-      <p:par>
-        <p:cTn dur="indefinite" nodeType="tmRoot" restart="never">
-          <p:childTnLst>
-            <p:seq concurrent="1" nextAc="seek">
-              <p:cTn dur="indefinite" id="2" nodeType="mainSeq">
-                <p:childTnLst>
-                  <p:par>
-                    <p:cTn fill="hold">
-                      <p:stCondLst>
-                        <p:cond delay="indefinite"/>
-                      </p:stCondLst>
-                      <p:childTnLst>
-                        <p:par>
-                          <p:cTn fill="hold">
-                            <p:stCondLst>
-                              <p:cond delay="0"/>
-                            </p:stCondLst>
-                            <p:childTnLst>
-                              <p:par>
-                                <p:cTn fill="hold" nodeType="clickEffect" presetClass="entr" presetID="10" presetSubtype="0">
-                                  <p:stCondLst>
-                                    <p:cond delay="0"/>
-                                  </p:stCondLst>
-                                  <p:childTnLst>
-                                    <p:set>
-                                      <p:cBhvr>
-                                        <p:cTn dur="1" fill="hold">
-                                          <p:stCondLst>
-                                            <p:cond delay="0"/>
-                                          </p:stCondLst>
-                                        </p:cTn>
-                                        <p:tgtEl>
-                                          <p:spTgt spid="308"/>
-                                        </p:tgtEl>
-                                        <p:attrNameLst>
-                                          <p:attrName>style.visibility</p:attrName>
-                                        </p:attrNameLst>
-                                      </p:cBhvr>
-                                      <p:to>
-                                        <p:strVal val="visible"/>
-                                      </p:to>
-                                    </p:set>
-                                    <p:animEffect filter="fade" transition="in">
-                                      <p:cBhvr>
-                                        <p:cTn dur="1000"/>
-                                        <p:tgtEl>
-                                          <p:spTgt spid="308"/>
-                                        </p:tgtEl>
-                                      </p:cBhvr>
-                                    </p:animEffect>
-                                  </p:childTnLst>
-                                </p:cTn>
-                              </p:par>
-                            </p:childTnLst>
-                          </p:cTn>
-                        </p:par>
-                      </p:childTnLst>
-                    </p:cTn>
-                  </p:par>
-                  <p:par>
-                    <p:cTn fill="hold">
-                      <p:stCondLst>
-                        <p:cond delay="indefinite"/>
-                      </p:stCondLst>
-                      <p:childTnLst>
-                        <p:par>
-                          <p:cTn fill="hold">
-                            <p:stCondLst>
-                              <p:cond delay="0"/>
-                            </p:stCondLst>
-                            <p:childTnLst>
-                              <p:par>
-                                <p:cTn fill="hold" nodeType="clickEffect" presetClass="entr" presetID="10" presetSubtype="0">
-                                  <p:stCondLst>
-                                    <p:cond delay="0"/>
-                                  </p:stCondLst>
-                                  <p:childTnLst>
-                                    <p:set>
-                                      <p:cBhvr>
-                                        <p:cTn dur="1" fill="hold">
-                                          <p:stCondLst>
-                                            <p:cond delay="0"/>
-                                          </p:stCondLst>
-                                        </p:cTn>
-                                        <p:tgtEl>
-                                          <p:spTgt spid="312"/>
-                                        </p:tgtEl>
-                                        <p:attrNameLst>
-                                          <p:attrName>style.visibility</p:attrName>
-                                        </p:attrNameLst>
-                                      </p:cBhvr>
-                                      <p:to>
-                                        <p:strVal val="visible"/>
-                                      </p:to>
-                                    </p:set>
-                                    <p:animEffect filter="fade" transition="in">
-                                      <p:cBhvr>
-                                        <p:cTn dur="1000"/>
-                                        <p:tgtEl>
-                                          <p:spTgt spid="312"/>
-                                        </p:tgtEl>
-                                      </p:cBhvr>
-                                    </p:animEffect>
-                                  </p:childTnLst>
-                                </p:cTn>
-                              </p:par>
-                            </p:childTnLst>
-                          </p:cTn>
-                        </p:par>
-                      </p:childTnLst>
-                    </p:cTn>
-                  </p:par>
-                  <p:par>
-                    <p:cTn fill="hold">
-                      <p:stCondLst>
-                        <p:cond delay="indefinite"/>
-                      </p:stCondLst>
-                      <p:childTnLst>
-                        <p:par>
-                          <p:cTn fill="hold">
-                            <p:stCondLst>
-                              <p:cond delay="0"/>
-                            </p:stCondLst>
-                            <p:childTnLst>
-                              <p:par>
-                                <p:cTn fill="hold" nodeType="clickEffect" presetClass="entr" presetID="10" presetSubtype="0">
-                                  <p:stCondLst>
-                                    <p:cond delay="0"/>
-                                  </p:stCondLst>
-                                  <p:childTnLst>
-                                    <p:set>
-                                      <p:cBhvr>
-                                        <p:cTn dur="1" fill="hold">
-                                          <p:stCondLst>
-                                            <p:cond delay="0"/>
-                                          </p:stCondLst>
-                                        </p:cTn>
-                                        <p:tgtEl>
-                                          <p:spTgt spid="309"/>
-                                        </p:tgtEl>
-                                        <p:attrNameLst>
-                                          <p:attrName>style.visibility</p:attrName>
-                                        </p:attrNameLst>
-                                      </p:cBhvr>
-                                      <p:to>
-                                        <p:strVal val="visible"/>
-                                      </p:to>
-                                    </p:set>
-                                    <p:animEffect filter="fade" transition="in">
-                                      <p:cBhvr>
-                                        <p:cTn dur="1000"/>
-                                        <p:tgtEl>
-                                          <p:spTgt spid="309"/>
-                                        </p:tgtEl>
-                                      </p:cBhvr>
-                                    </p:animEffect>
-                                  </p:childTnLst>
-                                </p:cTn>
-                              </p:par>
-                            </p:childTnLst>
-                          </p:cTn>
-                        </p:par>
-                      </p:childTnLst>
-                    </p:cTn>
-                  </p:par>
-                  <p:par>
-                    <p:cTn fill="hold">
-                      <p:stCondLst>
-                        <p:cond delay="indefinite"/>
-                      </p:stCondLst>
-                      <p:childTnLst>
-                        <p:par>
-                          <p:cTn fill="hold">
-                            <p:stCondLst>
-                              <p:cond delay="0"/>
-                            </p:stCondLst>
-                            <p:childTnLst>
-                              <p:par>
-                                <p:cTn fill="hold" nodeType="clickEffect" presetClass="entr" presetID="10" presetSubtype="0">
-                                  <p:stCondLst>
-                                    <p:cond delay="0"/>
-                                  </p:stCondLst>
-                                  <p:childTnLst>
-                                    <p:set>
-                                      <p:cBhvr>
-                                        <p:cTn dur="1" fill="hold">
-                                          <p:stCondLst>
-                                            <p:cond delay="0"/>
-                                          </p:stCondLst>
-                                        </p:cTn>
-                                        <p:tgtEl>
-                                          <p:spTgt spid="313"/>
-                                        </p:tgtEl>
-                                        <p:attrNameLst>
-                                          <p:attrName>style.visibility</p:attrName>
-                                        </p:attrNameLst>
-                                      </p:cBhvr>
-                                      <p:to>
-                                        <p:strVal val="visible"/>
-                                      </p:to>
-                                    </p:set>
-                                    <p:animEffect filter="fade" transition="in">
-                                      <p:cBhvr>
-                                        <p:cTn dur="1000"/>
-                                        <p:tgtEl>
-                                          <p:spTgt spid="313"/>
-                                        </p:tgtEl>
-                                      </p:cBhvr>
-                                    </p:animEffect>
-                                  </p:childTnLst>
-                                </p:cTn>
-                              </p:par>
-                            </p:childTnLst>
-                          </p:cTn>
-                        </p:par>
-                      </p:childTnLst>
-                    </p:cTn>
-                  </p:par>
-                  <p:par>
-                    <p:cTn fill="hold">
-                      <p:stCondLst>
-                        <p:cond delay="indefinite"/>
-                      </p:stCondLst>
-                      <p:childTnLst>
-                        <p:par>
-                          <p:cTn fill="hold">
-                            <p:stCondLst>
-                              <p:cond delay="0"/>
-                            </p:stCondLst>
-                            <p:childTnLst>
-                              <p:par>
-                                <p:cTn fill="hold" nodeType="clickEffect" presetClass="entr" presetID="10" presetSubtype="0">
-                                  <p:stCondLst>
-                                    <p:cond delay="0"/>
-                                  </p:stCondLst>
-                                  <p:childTnLst>
-                                    <p:set>
-                                      <p:cBhvr>
-                                        <p:cTn dur="1" fill="hold">
-                                          <p:stCondLst>
-                                            <p:cond delay="0"/>
-                                          </p:stCondLst>
-                                        </p:cTn>
-                                        <p:tgtEl>
-                                          <p:spTgt spid="310"/>
-                                        </p:tgtEl>
-                                        <p:attrNameLst>
-                                          <p:attrName>style.visibility</p:attrName>
-                                        </p:attrNameLst>
-                                      </p:cBhvr>
-                                      <p:to>
-                                        <p:strVal val="visible"/>
-                                      </p:to>
-                                    </p:set>
-                                    <p:animEffect filter="fade" transition="in">
-                                      <p:cBhvr>
-                                        <p:cTn dur="1000"/>
-                                        <p:tgtEl>
-                                          <p:spTgt spid="310"/>
-                                        </p:tgtEl>
-                                      </p:cBhvr>
-                                    </p:animEffect>
-                                  </p:childTnLst>
-                                </p:cTn>
-                              </p:par>
-                            </p:childTnLst>
-                          </p:cTn>
-                        </p:par>
-                      </p:childTnLst>
-                    </p:cTn>
-                  </p:par>
-                  <p:par>
-                    <p:cTn fill="hold">
-                      <p:stCondLst>
-                        <p:cond delay="indefinite"/>
-                      </p:stCondLst>
-                      <p:childTnLst>
-                        <p:par>
-                          <p:cTn fill="hold">
-                            <p:stCondLst>
-                              <p:cond delay="0"/>
-                            </p:stCondLst>
-                            <p:childTnLst>
-                              <p:par>
-                                <p:cTn fill="hold" nodeType="clickEffect" presetClass="entr" presetID="10" presetSubtype="0">
-                                  <p:stCondLst>
-                                    <p:cond delay="0"/>
-                                  </p:stCondLst>
-                                  <p:childTnLst>
-                                    <p:set>
-                                      <p:cBhvr>
-                                        <p:cTn dur="1" fill="hold">
-                                          <p:stCondLst>
-                                            <p:cond delay="0"/>
-                                          </p:stCondLst>
-                                        </p:cTn>
-                                        <p:tgtEl>
-                                          <p:spTgt spid="314"/>
-                                        </p:tgtEl>
-                                        <p:attrNameLst>
-                                          <p:attrName>style.visibility</p:attrName>
-                                        </p:attrNameLst>
-                                      </p:cBhvr>
-                                      <p:to>
-                                        <p:strVal val="visible"/>
-                                      </p:to>
-                                    </p:set>
-                                    <p:animEffect filter="fade" transition="in">
-                                      <p:cBhvr>
-                                        <p:cTn dur="1000"/>
-                                        <p:tgtEl>
-                                          <p:spTgt spid="314"/>
-                                        </p:tgtEl>
-                                      </p:cBhvr>
-                                    </p:animEffect>
-                                  </p:childTnLst>
-                                </p:cTn>
-                              </p:par>
-                            </p:childTnLst>
-                          </p:cTn>
-                        </p:par>
-                      </p:childTnLst>
-                    </p:cTn>
-                  </p:par>
-                  <p:par>
-                    <p:cTn fill="hold">
-                      <p:stCondLst>
-                        <p:cond delay="indefinite"/>
-                      </p:stCondLst>
-                      <p:childTnLst>
-                        <p:par>
-                          <p:cTn fill="hold">
-                            <p:stCondLst>
-                              <p:cond delay="0"/>
-                            </p:stCondLst>
-                            <p:childTnLst>
-                              <p:par>
-                                <p:cTn fill="hold" nodeType="clickEffect" presetClass="entr" presetID="10" presetSubtype="0">
-                                  <p:stCondLst>
-                                    <p:cond delay="0"/>
-                                  </p:stCondLst>
-                                  <p:childTnLst>
-                                    <p:set>
-                                      <p:cBhvr>
-                                        <p:cTn dur="1" fill="hold">
-                                          <p:stCondLst>
-                                            <p:cond delay="0"/>
-                                          </p:stCondLst>
-                                        </p:cTn>
-                                        <p:tgtEl>
-                                          <p:spTgt spid="311"/>
-                                        </p:tgtEl>
-                                        <p:attrNameLst>
-                                          <p:attrName>style.visibility</p:attrName>
-                                        </p:attrNameLst>
-                                      </p:cBhvr>
-                                      <p:to>
-                                        <p:strVal val="visible"/>
-                                      </p:to>
-                                    </p:set>
-                                    <p:animEffect filter="fade" transition="in">
-                                      <p:cBhvr>
-                                        <p:cTn dur="1000"/>
-                                        <p:tgtEl>
-                                          <p:spTgt spid="311"/>
-                                        </p:tgtEl>
-                                      </p:cBhvr>
-                                    </p:animEffect>
-                                  </p:childTnLst>
-                                </p:cTn>
-                              </p:par>
-                            </p:childTnLst>
-                          </p:cTn>
-                        </p:par>
-                      </p:childTnLst>
-                    </p:cTn>
-                  </p:par>
-                  <p:par>
-                    <p:cTn fill="hold">
-                      <p:stCondLst>
-                        <p:cond delay="indefinite"/>
-                      </p:stCondLst>
-                      <p:childTnLst>
-                        <p:par>
-                          <p:cTn fill="hold">
-                            <p:stCondLst>
-                              <p:cond delay="0"/>
-                            </p:stCondLst>
-                            <p:childTnLst>
-                              <p:par>
-                                <p:cTn fill="hold" nodeType="clickEffect" presetClass="entr" presetID="10" presetSubtype="0">
-                                  <p:stCondLst>
-                                    <p:cond delay="0"/>
-                                  </p:stCondLst>
-                                  <p:childTnLst>
-                                    <p:set>
-                                      <p:cBhvr>
-                                        <p:cTn dur="1" fill="hold">
-                                          <p:stCondLst>
-                                            <p:cond delay="0"/>
-                                          </p:stCondLst>
-                                        </p:cTn>
-                                        <p:tgtEl>
-                                          <p:spTgt spid="315"/>
-                                        </p:tgtEl>
-                                        <p:attrNameLst>
-                                          <p:attrName>style.visibility</p:attrName>
-                                        </p:attrNameLst>
-                                      </p:cBhvr>
-                                      <p:to>
-                                        <p:strVal val="visible"/>
-                                      </p:to>
-                                    </p:set>
-                                    <p:animEffect filter="fade" transition="in">
-                                      <p:cBhvr>
-                                        <p:cTn dur="1000"/>
-                                        <p:tgtEl>
-                                          <p:spTgt spid="315"/>
-                                        </p:tgtEl>
-                                      </p:cBhvr>
-                                    </p:animEffect>
-                                  </p:childTnLst>
-                                </p:cTn>
-                              </p:par>
-                            </p:childTnLst>
-                          </p:cTn>
-                        </p:par>
-                      </p:childTnLst>
-                    </p:cTn>
-                  </p:par>
-                </p:childTnLst>
-              </p:cTn>
-              <p:prevCondLst>
-                <p:cond evt="onPrev">
-                  <p:tgtEl>
-                    <p:sldTgt/>
-                  </p:tgtEl>
-                </p:cond>
-              </p:prevCondLst>
-              <p:nextCondLst>
-                <p:cond evt="onNext">
-                  <p:tgtEl>
-                    <p:sldTgt/>
-                  </p:tgtEl>
-                </p:cond>
-              </p:nextCondLst>
-            </p:seq>
-          </p:childTnLst>
-        </p:cTn>
-      </p:par>
-    </p:tnLst>
-  </p:timing>
-</p:sld>
-</file>
-
-<file path=ppt/slides/slide5.xml><?xml version="1.0" encoding="utf-8"?>
-<p:sld xmlns:a="http://schemas.openxmlformats.org/drawingml/2006/main" xmlns:r="http://schemas.openxmlformats.org/officeDocument/2006/relationships" xmlns:mc="http://schemas.openxmlformats.org/markup-compatibility/2006" xmlns:mv="urn:schemas-microsoft-com:mac:vml" xmlns:p="http://schemas.openxmlformats.org/presentationml/2006/main" xmlns:c="http://schemas.openxmlformats.org/drawingml/2006/chart" xmlns:dgm="http://schemas.openxmlformats.org/drawingml/2006/diagram" xmlns:o="urn:schemas-microsoft-com:office:office" xmlns:v="urn:schemas-microsoft-com:vml" xmlns:pvml="urn:schemas-microsoft-com:office:powerpoint" xmlns:com="http://schemas.openxmlformats.org/drawingml/2006/compatibility" xmlns:p14="http://schemas.microsoft.com/office/powerpoint/2010/main" xmlns:p15="http://schemas.microsoft.com/office/powerpoint/2012/main" xmlns:ahyp="http://schemas.microsoft.com/office/drawing/2018/hyperlinkcolor">
-  <p:cSld>
-    <p:spTree>
-      <p:nvGrpSpPr>
-        <p:cNvPr id="319" name="Shape 319"/>
-        <p:cNvGrpSpPr/>
-        <p:nvPr/>
-      </p:nvGrpSpPr>
-      <p:grpSpPr>
-        <a:xfrm>
-          <a:off x="0" y="0"/>
-          <a:ext cx="0" cy="0"/>
-          <a:chOff x="0" y="0"/>
-          <a:chExt cx="0" cy="0"/>
-        </a:xfrm>
-      </p:grpSpPr>
-      <p:sp>
-        <p:nvSpPr>
-          <p:cNvPr id="320" name="Google Shape;320;p5"/>
-          <p:cNvSpPr txBox="1"/>
-          <p:nvPr>
-            <p:ph type="title"/>
-          </p:nvPr>
-        </p:nvSpPr>
-        <p:spPr>
-          <a:xfrm>
-            <a:off x="1885156" y="892177"/>
-            <a:ext cx="8421600" cy="1325700"/>
-          </a:xfrm>
-          <a:prstGeom prst="rect">
-            <a:avLst/>
-          </a:prstGeom>
-          <a:noFill/>
-          <a:ln>
-            <a:noFill/>
-          </a:ln>
-        </p:spPr>
-        <p:txBody>
-          <a:bodyPr anchorCtr="0" anchor="ctr" bIns="45700" lIns="91425" spcFirstLastPara="1" rIns="91425" wrap="square" tIns="45700">
-            <a:normAutofit/>
-          </a:bodyPr>
-          <a:lstStyle/>
-          <a:p>
-            <a:pPr indent="0" lvl="0" marL="0" rtl="0" algn="ctr">
-              <a:lnSpc>
-                <a:spcPct val="90000"/>
-              </a:lnSpc>
-              <a:spcBef>
-                <a:spcPts val="0"/>
-              </a:spcBef>
-              <a:spcAft>
-                <a:spcPts val="0"/>
-              </a:spcAft>
-              <a:buClr>
-                <a:schemeClr val="dk1"/>
-              </a:buClr>
-              <a:buSzPts val="2800"/>
-              <a:buFont typeface="Arial"/>
-              <a:buNone/>
-            </a:pPr>
-            <a:r>
-              <a:rPr lang="en-US">
-                <a:latin typeface="Montserrat Medium"/>
-                <a:ea typeface="Montserrat Medium"/>
-                <a:cs typeface="Montserrat Medium"/>
-                <a:sym typeface="Montserrat Medium"/>
-              </a:rPr>
-              <a:t>COMO PODEMOS IDENTIFICARLAS</a:t>
-            </a:r>
-            <a:endParaRPr>
-              <a:latin typeface="Montserrat Medium"/>
-              <a:ea typeface="Montserrat Medium"/>
-              <a:cs typeface="Montserrat Medium"/>
-              <a:sym typeface="Montserrat Medium"/>
-            </a:endParaRPr>
-          </a:p>
-        </p:txBody>
-      </p:sp>
-      <p:sp>
-        <p:nvSpPr>
-          <p:cNvPr id="321" name="Google Shape;321;p5"/>
-          <p:cNvSpPr/>
-          <p:nvPr/>
-        </p:nvSpPr>
-        <p:spPr>
-          <a:xfrm>
-            <a:off x="4080485" y="2334827"/>
-            <a:ext cx="3600000" cy="3600000"/>
-          </a:xfrm>
-          <a:prstGeom prst="ellipse">
-            <a:avLst/>
-          </a:prstGeom>
-          <a:solidFill>
-            <a:schemeClr val="accent1"/>
-          </a:solidFill>
-          <a:ln cap="flat" cmpd="sng" w="19050">
-            <a:solidFill>
-              <a:schemeClr val="lt1"/>
-            </a:solidFill>
-            <a:prstDash val="solid"/>
-            <a:miter lim="800000"/>
-            <a:headEnd len="sm" w="sm" type="none"/>
-            <a:tailEnd len="sm" w="sm" type="none"/>
-          </a:ln>
-        </p:spPr>
-        <p:txBody>
-          <a:bodyPr anchorCtr="0" anchor="ctr" bIns="45700" lIns="91425" spcFirstLastPara="1" rIns="91425" wrap="square" tIns="45700">
-            <a:noAutofit/>
-          </a:bodyPr>
-          <a:lstStyle/>
-          <a:p>
-            <a:pPr indent="0" lvl="0" marL="0" marR="0" rtl="0" algn="ctr">
-              <a:spcBef>
-                <a:spcPts val="0"/>
-              </a:spcBef>
-              <a:spcAft>
-                <a:spcPts val="0"/>
-              </a:spcAft>
-              <a:buNone/>
-            </a:pPr>
-            <a:r>
-              <a:t/>
-            </a:r>
-            <a:endParaRPr sz="1800">
-              <a:solidFill>
-                <a:schemeClr val="lt1"/>
-              </a:solidFill>
-              <a:latin typeface="Montserrat Medium"/>
-              <a:ea typeface="Montserrat Medium"/>
-              <a:cs typeface="Montserrat Medium"/>
-              <a:sym typeface="Montserrat Medium"/>
-            </a:endParaRPr>
-          </a:p>
-        </p:txBody>
-      </p:sp>
-      <p:sp>
-        <p:nvSpPr>
-          <p:cNvPr id="322" name="Google Shape;322;p5"/>
-          <p:cNvSpPr/>
-          <p:nvPr/>
-        </p:nvSpPr>
-        <p:spPr>
-          <a:xfrm>
-            <a:off x="4617617" y="3427411"/>
-            <a:ext cx="2520000" cy="2520000"/>
-          </a:xfrm>
-          <a:prstGeom prst="ellipse">
-            <a:avLst/>
-          </a:prstGeom>
-          <a:solidFill>
-            <a:srgbClr val="1B1812">
-              <a:alpha val="40000"/>
-            </a:srgbClr>
-          </a:solidFill>
-          <a:ln>
-            <a:noFill/>
-          </a:ln>
-        </p:spPr>
-        <p:txBody>
-          <a:bodyPr anchorCtr="0" anchor="ctr" bIns="45700" lIns="91425" spcFirstLastPara="1" rIns="91425" wrap="square" tIns="45700">
-            <a:noAutofit/>
-          </a:bodyPr>
-          <a:lstStyle/>
-          <a:p>
-            <a:pPr indent="0" lvl="0" marL="0" marR="0" rtl="0" algn="ctr">
-              <a:spcBef>
-                <a:spcPts val="0"/>
-              </a:spcBef>
-              <a:spcAft>
-                <a:spcPts val="0"/>
-              </a:spcAft>
-              <a:buNone/>
-            </a:pPr>
-            <a:r>
-              <a:t/>
-            </a:r>
-            <a:endParaRPr sz="1800">
-              <a:solidFill>
-                <a:schemeClr val="lt1"/>
-              </a:solidFill>
-              <a:latin typeface="Montserrat Medium"/>
-              <a:ea typeface="Montserrat Medium"/>
-              <a:cs typeface="Montserrat Medium"/>
-              <a:sym typeface="Montserrat Medium"/>
-            </a:endParaRPr>
-          </a:p>
-        </p:txBody>
-      </p:sp>
-      <p:sp>
-        <p:nvSpPr>
-          <p:cNvPr id="323" name="Google Shape;323;p5"/>
-          <p:cNvSpPr/>
-          <p:nvPr/>
-        </p:nvSpPr>
-        <p:spPr>
-          <a:xfrm>
-            <a:off x="4973183" y="4149680"/>
-            <a:ext cx="1800000" cy="1800000"/>
-          </a:xfrm>
-          <a:prstGeom prst="ellipse">
-            <a:avLst/>
-          </a:prstGeom>
-          <a:solidFill>
-            <a:schemeClr val="dk1"/>
-          </a:solidFill>
-          <a:ln>
-            <a:noFill/>
-          </a:ln>
-        </p:spPr>
-        <p:txBody>
-          <a:bodyPr anchorCtr="0" anchor="ctr" bIns="45700" lIns="91425" spcFirstLastPara="1" rIns="91425" wrap="square" tIns="45700">
-            <a:noAutofit/>
-          </a:bodyPr>
-          <a:lstStyle/>
-          <a:p>
-            <a:pPr indent="0" lvl="0" marL="0" marR="0" rtl="0" algn="ctr">
-              <a:spcBef>
-                <a:spcPts val="0"/>
-              </a:spcBef>
-              <a:spcAft>
-                <a:spcPts val="0"/>
-              </a:spcAft>
-              <a:buNone/>
-            </a:pPr>
-            <a:r>
-              <a:t/>
-            </a:r>
-            <a:endParaRPr sz="1800">
-              <a:solidFill>
-                <a:schemeClr val="lt1"/>
-              </a:solidFill>
-              <a:latin typeface="Montserrat Medium"/>
-              <a:ea typeface="Montserrat Medium"/>
-              <a:cs typeface="Montserrat Medium"/>
-              <a:sym typeface="Montserrat Medium"/>
-            </a:endParaRPr>
-          </a:p>
-        </p:txBody>
-      </p:sp>
-      <p:sp>
-        <p:nvSpPr>
-          <p:cNvPr id="324" name="Google Shape;324;p5"/>
-          <p:cNvSpPr txBox="1"/>
-          <p:nvPr/>
-        </p:nvSpPr>
-        <p:spPr>
-          <a:xfrm>
-            <a:off x="4726350" y="2725629"/>
-            <a:ext cx="2302535" cy="767229"/>
-          </a:xfrm>
-          <a:prstGeom prst="rect">
-            <a:avLst/>
-          </a:prstGeom>
-          <a:noFill/>
-          <a:ln>
-            <a:noFill/>
-          </a:ln>
-        </p:spPr>
-        <p:txBody>
-          <a:bodyPr anchorCtr="0" anchor="ctr" bIns="45700" lIns="91425" spcFirstLastPara="1" rIns="91425" wrap="square" tIns="45700">
-            <a:normAutofit fontScale="77500"/>
-          </a:bodyPr>
-          <a:lstStyle/>
-          <a:p>
-            <a:pPr indent="0" lvl="0" marL="0" marR="0" rtl="0" algn="ctr">
-              <a:lnSpc>
-                <a:spcPct val="90000"/>
-              </a:lnSpc>
-              <a:spcBef>
-                <a:spcPts val="0"/>
-              </a:spcBef>
-              <a:spcAft>
-                <a:spcPts val="0"/>
-              </a:spcAft>
-              <a:buClr>
-                <a:schemeClr val="dk1"/>
-              </a:buClr>
-              <a:buSzPct val="100000"/>
-              <a:buFont typeface="Arial"/>
-              <a:buNone/>
-            </a:pPr>
-            <a:r>
-              <a:rPr lang="en-US" sz="2800" cap="none">
-                <a:solidFill>
-                  <a:schemeClr val="dk1"/>
-                </a:solidFill>
-                <a:latin typeface="Montserrat Medium"/>
-                <a:ea typeface="Montserrat Medium"/>
-                <a:cs typeface="Montserrat Medium"/>
-                <a:sym typeface="Montserrat Medium"/>
-              </a:rPr>
-              <a:t>INTELIGENCIA</a:t>
-            </a:r>
-            <a:endParaRPr sz="2800" cap="none">
-              <a:solidFill>
-                <a:schemeClr val="dk1"/>
-              </a:solidFill>
-              <a:latin typeface="Montserrat Medium"/>
-              <a:ea typeface="Montserrat Medium"/>
-              <a:cs typeface="Montserrat Medium"/>
-              <a:sym typeface="Montserrat Medium"/>
-            </a:endParaRPr>
-          </a:p>
-          <a:p>
-            <a:pPr indent="0" lvl="0" marL="0" marR="0" rtl="0" algn="ctr">
-              <a:lnSpc>
-                <a:spcPct val="90000"/>
-              </a:lnSpc>
-              <a:spcBef>
-                <a:spcPts val="0"/>
-              </a:spcBef>
-              <a:spcAft>
-                <a:spcPts val="0"/>
-              </a:spcAft>
-              <a:buClr>
-                <a:schemeClr val="dk1"/>
-              </a:buClr>
-              <a:buSzPct val="100000"/>
-              <a:buFont typeface="Arial"/>
-              <a:buNone/>
-            </a:pPr>
-            <a:r>
-              <a:rPr lang="en-US" sz="2800" cap="none">
-                <a:solidFill>
-                  <a:schemeClr val="dk1"/>
-                </a:solidFill>
-                <a:latin typeface="Montserrat Medium"/>
-                <a:ea typeface="Montserrat Medium"/>
-                <a:cs typeface="Montserrat Medium"/>
-                <a:sym typeface="Montserrat Medium"/>
-              </a:rPr>
-              <a:t>ARTIFICIAL</a:t>
-            </a:r>
-            <a:endParaRPr>
-              <a:latin typeface="Montserrat Medium"/>
-              <a:ea typeface="Montserrat Medium"/>
-              <a:cs typeface="Montserrat Medium"/>
-              <a:sym typeface="Montserrat Medium"/>
-            </a:endParaRPr>
-          </a:p>
-        </p:txBody>
-      </p:sp>
-      <p:sp>
-        <p:nvSpPr>
-          <p:cNvPr id="325" name="Google Shape;325;p5"/>
-          <p:cNvSpPr txBox="1"/>
-          <p:nvPr/>
-        </p:nvSpPr>
-        <p:spPr>
-          <a:xfrm>
-            <a:off x="4995127" y="3640709"/>
-            <a:ext cx="1770714" cy="553931"/>
-          </a:xfrm>
-          <a:prstGeom prst="rect">
-            <a:avLst/>
-          </a:prstGeom>
-          <a:noFill/>
-          <a:ln>
-            <a:noFill/>
-          </a:ln>
-        </p:spPr>
-        <p:txBody>
-          <a:bodyPr anchorCtr="0" anchor="ctr" bIns="45700" lIns="91425" spcFirstLastPara="1" rIns="91425" wrap="square" tIns="45700">
-            <a:normAutofit fontScale="70000" lnSpcReduction="20000"/>
-          </a:bodyPr>
-          <a:lstStyle/>
-          <a:p>
-            <a:pPr indent="0" lvl="0" marL="0" marR="0" rtl="0" algn="ctr">
-              <a:lnSpc>
-                <a:spcPct val="90000"/>
-              </a:lnSpc>
-              <a:spcBef>
-                <a:spcPts val="0"/>
-              </a:spcBef>
-              <a:spcAft>
-                <a:spcPts val="0"/>
-              </a:spcAft>
-              <a:buClr>
-                <a:schemeClr val="lt1"/>
-              </a:buClr>
-              <a:buSzPct val="100000"/>
-              <a:buFont typeface="Arial"/>
-              <a:buNone/>
-            </a:pPr>
-            <a:r>
-              <a:rPr lang="en-US" sz="2800" cap="none">
-                <a:solidFill>
-                  <a:schemeClr val="lt1"/>
-                </a:solidFill>
-                <a:latin typeface="Montserrat Medium"/>
-                <a:ea typeface="Montserrat Medium"/>
-                <a:cs typeface="Montserrat Medium"/>
-                <a:sym typeface="Montserrat Medium"/>
-              </a:rPr>
-              <a:t>MACHINE</a:t>
-            </a:r>
-            <a:endParaRPr>
-              <a:latin typeface="Montserrat Medium"/>
-              <a:ea typeface="Montserrat Medium"/>
-              <a:cs typeface="Montserrat Medium"/>
-              <a:sym typeface="Montserrat Medium"/>
-            </a:endParaRPr>
-          </a:p>
-          <a:p>
-            <a:pPr indent="0" lvl="0" marL="0" marR="0" rtl="0" algn="ctr">
-              <a:lnSpc>
-                <a:spcPct val="90000"/>
-              </a:lnSpc>
-              <a:spcBef>
-                <a:spcPts val="0"/>
-              </a:spcBef>
-              <a:spcAft>
-                <a:spcPts val="0"/>
-              </a:spcAft>
-              <a:buClr>
-                <a:schemeClr val="lt1"/>
-              </a:buClr>
-              <a:buSzPct val="100000"/>
-              <a:buFont typeface="Arial"/>
-              <a:buNone/>
-            </a:pPr>
-            <a:r>
-              <a:rPr lang="en-US" sz="2800" cap="none">
-                <a:solidFill>
-                  <a:schemeClr val="lt1"/>
-                </a:solidFill>
-                <a:latin typeface="Montserrat Medium"/>
-                <a:ea typeface="Montserrat Medium"/>
-                <a:cs typeface="Montserrat Medium"/>
-                <a:sym typeface="Montserrat Medium"/>
-              </a:rPr>
-              <a:t>LEARNING</a:t>
-            </a:r>
-            <a:endParaRPr>
-              <a:latin typeface="Montserrat Medium"/>
-              <a:ea typeface="Montserrat Medium"/>
-              <a:cs typeface="Montserrat Medium"/>
-              <a:sym typeface="Montserrat Medium"/>
-            </a:endParaRPr>
-          </a:p>
-        </p:txBody>
-      </p:sp>
-      <p:sp>
-        <p:nvSpPr>
-          <p:cNvPr id="326" name="Google Shape;326;p5"/>
-          <p:cNvSpPr txBox="1"/>
-          <p:nvPr/>
-        </p:nvSpPr>
-        <p:spPr>
-          <a:xfrm>
-            <a:off x="5072697" y="4831674"/>
-            <a:ext cx="1615573" cy="436012"/>
-          </a:xfrm>
-          <a:prstGeom prst="rect">
-            <a:avLst/>
-          </a:prstGeom>
-          <a:noFill/>
-          <a:ln>
-            <a:noFill/>
-          </a:ln>
-        </p:spPr>
-        <p:txBody>
-          <a:bodyPr anchorCtr="0" anchor="ctr" bIns="45700" lIns="91425" spcFirstLastPara="1" rIns="91425" wrap="square" tIns="45700">
-            <a:normAutofit fontScale="55000" lnSpcReduction="20000"/>
-          </a:bodyPr>
-          <a:lstStyle/>
-          <a:p>
-            <a:pPr indent="0" lvl="0" marL="0" marR="0" rtl="0" algn="ctr">
-              <a:lnSpc>
-                <a:spcPct val="90000"/>
-              </a:lnSpc>
-              <a:spcBef>
-                <a:spcPts val="0"/>
-              </a:spcBef>
-              <a:spcAft>
-                <a:spcPts val="0"/>
-              </a:spcAft>
-              <a:buClr>
-                <a:schemeClr val="lt2"/>
-              </a:buClr>
-              <a:buSzPct val="100000"/>
-              <a:buFont typeface="Arial"/>
-              <a:buNone/>
-            </a:pPr>
-            <a:r>
-              <a:rPr lang="en-US" sz="2800" cap="none">
-                <a:solidFill>
-                  <a:schemeClr val="lt2"/>
-                </a:solidFill>
-                <a:latin typeface="Montserrat Medium"/>
-                <a:ea typeface="Montserrat Medium"/>
-                <a:cs typeface="Montserrat Medium"/>
-                <a:sym typeface="Montserrat Medium"/>
-              </a:rPr>
-              <a:t>DEEP</a:t>
-            </a:r>
-            <a:endParaRPr>
-              <a:latin typeface="Montserrat Medium"/>
-              <a:ea typeface="Montserrat Medium"/>
-              <a:cs typeface="Montserrat Medium"/>
-              <a:sym typeface="Montserrat Medium"/>
-            </a:endParaRPr>
-          </a:p>
-          <a:p>
-            <a:pPr indent="0" lvl="0" marL="0" marR="0" rtl="0" algn="ctr">
-              <a:lnSpc>
-                <a:spcPct val="90000"/>
-              </a:lnSpc>
-              <a:spcBef>
-                <a:spcPts val="0"/>
-              </a:spcBef>
-              <a:spcAft>
-                <a:spcPts val="0"/>
-              </a:spcAft>
-              <a:buClr>
-                <a:schemeClr val="lt2"/>
-              </a:buClr>
-              <a:buSzPct val="100000"/>
-              <a:buFont typeface="Arial"/>
-              <a:buNone/>
-            </a:pPr>
-            <a:r>
-              <a:rPr lang="en-US" sz="2800" cap="none">
-                <a:solidFill>
-                  <a:schemeClr val="lt2"/>
-                </a:solidFill>
-                <a:latin typeface="Montserrat Medium"/>
-                <a:ea typeface="Montserrat Medium"/>
-                <a:cs typeface="Montserrat Medium"/>
-                <a:sym typeface="Montserrat Medium"/>
-              </a:rPr>
-              <a:t>LEARNING</a:t>
-            </a:r>
-            <a:endParaRPr>
-              <a:latin typeface="Montserrat Medium"/>
-              <a:ea typeface="Montserrat Medium"/>
-              <a:cs typeface="Montserrat Medium"/>
-              <a:sym typeface="Montserrat Medium"/>
-            </a:endParaRPr>
-          </a:p>
-        </p:txBody>
-      </p:sp>
-      <p:sp>
-        <p:nvSpPr>
-          <p:cNvPr id="327" name="Google Shape;327;p5"/>
-          <p:cNvSpPr/>
-          <p:nvPr/>
-        </p:nvSpPr>
-        <p:spPr>
-          <a:xfrm>
-            <a:off x="6519999" y="3414827"/>
-            <a:ext cx="2520000" cy="2520000"/>
-          </a:xfrm>
-          <a:prstGeom prst="ellipse">
-            <a:avLst/>
-          </a:prstGeom>
-          <a:solidFill>
-            <a:srgbClr val="433D2E">
-              <a:alpha val="74901"/>
-            </a:srgbClr>
-          </a:solidFill>
-          <a:ln>
-            <a:noFill/>
-          </a:ln>
-        </p:spPr>
-        <p:txBody>
-          <a:bodyPr anchorCtr="0" anchor="ctr" bIns="45700" lIns="91425" spcFirstLastPara="1" rIns="91425" wrap="square" tIns="45700">
-            <a:noAutofit/>
-          </a:bodyPr>
-          <a:lstStyle/>
-          <a:p>
-            <a:pPr indent="0" lvl="0" marL="0" marR="0" rtl="0" algn="ctr">
-              <a:spcBef>
-                <a:spcPts val="0"/>
-              </a:spcBef>
-              <a:spcAft>
-                <a:spcPts val="0"/>
-              </a:spcAft>
-              <a:buNone/>
-            </a:pPr>
-            <a:r>
-              <a:t/>
-            </a:r>
-            <a:endParaRPr sz="1800">
-              <a:solidFill>
-                <a:schemeClr val="lt1"/>
-              </a:solidFill>
-              <a:latin typeface="Montserrat Medium"/>
-              <a:ea typeface="Montserrat Medium"/>
-              <a:cs typeface="Montserrat Medium"/>
-              <a:sym typeface="Montserrat Medium"/>
-            </a:endParaRPr>
-          </a:p>
-        </p:txBody>
-      </p:sp>
-      <p:sp>
-        <p:nvSpPr>
-          <p:cNvPr id="328" name="Google Shape;328;p5"/>
-          <p:cNvSpPr txBox="1"/>
-          <p:nvPr/>
-        </p:nvSpPr>
-        <p:spPr>
-          <a:xfrm>
-            <a:off x="6758534" y="4358779"/>
-            <a:ext cx="2042929" cy="676276"/>
-          </a:xfrm>
-          <a:prstGeom prst="rect">
-            <a:avLst/>
-          </a:prstGeom>
-          <a:noFill/>
-          <a:ln>
-            <a:noFill/>
-          </a:ln>
-        </p:spPr>
-        <p:txBody>
-          <a:bodyPr anchorCtr="0" anchor="ctr" bIns="45700" lIns="91425" spcFirstLastPara="1" rIns="91425" wrap="square" tIns="45700">
-            <a:normAutofit fontScale="92500" lnSpcReduction="20000"/>
-          </a:bodyPr>
-          <a:lstStyle/>
-          <a:p>
-            <a:pPr indent="0" lvl="0" marL="0" marR="0" rtl="0" algn="ctr">
-              <a:lnSpc>
-                <a:spcPct val="90000"/>
-              </a:lnSpc>
-              <a:spcBef>
-                <a:spcPts val="0"/>
-              </a:spcBef>
-              <a:spcAft>
-                <a:spcPts val="0"/>
-              </a:spcAft>
-              <a:buClr>
-                <a:schemeClr val="lt1"/>
-              </a:buClr>
-              <a:buSzPct val="100000"/>
-              <a:buFont typeface="Arial"/>
-              <a:buNone/>
-            </a:pPr>
-            <a:r>
-              <a:rPr lang="en-US" sz="2800" cap="none">
-                <a:solidFill>
-                  <a:schemeClr val="lt1"/>
-                </a:solidFill>
-                <a:latin typeface="Montserrat Medium"/>
-                <a:ea typeface="Montserrat Medium"/>
-                <a:cs typeface="Montserrat Medium"/>
-                <a:sym typeface="Montserrat Medium"/>
-              </a:rPr>
-              <a:t>DATA</a:t>
-            </a:r>
-            <a:endParaRPr>
-              <a:latin typeface="Montserrat Medium"/>
-              <a:ea typeface="Montserrat Medium"/>
-              <a:cs typeface="Montserrat Medium"/>
-              <a:sym typeface="Montserrat Medium"/>
-            </a:endParaRPr>
-          </a:p>
-          <a:p>
-            <a:pPr indent="0" lvl="0" marL="0" marR="0" rtl="0" algn="ctr">
-              <a:lnSpc>
-                <a:spcPct val="90000"/>
-              </a:lnSpc>
-              <a:spcBef>
-                <a:spcPts val="0"/>
-              </a:spcBef>
-              <a:spcAft>
-                <a:spcPts val="0"/>
-              </a:spcAft>
-              <a:buClr>
-                <a:schemeClr val="lt1"/>
-              </a:buClr>
-              <a:buSzPct val="100000"/>
-              <a:buFont typeface="Arial"/>
-              <a:buNone/>
-            </a:pPr>
-            <a:r>
-              <a:rPr lang="en-US" sz="2800" cap="none">
-                <a:solidFill>
-                  <a:schemeClr val="lt1"/>
-                </a:solidFill>
-                <a:latin typeface="Montserrat Medium"/>
-                <a:ea typeface="Montserrat Medium"/>
-                <a:cs typeface="Montserrat Medium"/>
-                <a:sym typeface="Montserrat Medium"/>
-              </a:rPr>
-              <a:t>SCIENCE</a:t>
-            </a:r>
-            <a:endParaRPr>
-              <a:latin typeface="Montserrat Medium"/>
-              <a:ea typeface="Montserrat Medium"/>
-              <a:cs typeface="Montserrat Medium"/>
-              <a:sym typeface="Montserrat Medium"/>
-            </a:endParaRPr>
-          </a:p>
-        </p:txBody>
-      </p:sp>
-    </p:spTree>
-  </p:cSld>
-  <p:clrMapOvr>
-    <a:masterClrMapping/>
-  </p:clrMapOvr>
-  <p:timing>
-    <p:tnLst>
-      <p:par>
-        <p:cTn dur="indefinite" nodeType="tmRoot" restart="never">
-          <p:childTnLst>
-            <p:seq concurrent="1" nextAc="seek">
-              <p:cTn dur="indefinite" id="2" nodeType="mainSeq">
-                <p:childTnLst>
-                  <p:par>
-                    <p:cTn fill="hold">
-                      <p:stCondLst>
-                        <p:cond delay="indefinite"/>
-                        <p:cond evt="onBegin" delay="0">
-                          <p:tn val="2"/>
-                        </p:cond>
-                      </p:stCondLst>
-                      <p:childTnLst>
-                        <p:par>
-                          <p:cTn fill="hold">
-                            <p:stCondLst>
-                              <p:cond delay="0"/>
-                            </p:stCondLst>
-                            <p:childTnLst>
-                              <p:par>
-                                <p:cTn fill="hold" nodeType="afterEffect" presetClass="entr" presetID="10" presetSubtype="0">
-                                  <p:stCondLst>
-                                    <p:cond delay="0"/>
-                                  </p:stCondLst>
-                                  <p:childTnLst>
-                                    <p:set>
-                                      <p:cBhvr>
-                                        <p:cTn dur="1" fill="hold">
-                                          <p:stCondLst>
-                                            <p:cond delay="0"/>
-                                          </p:stCondLst>
-                                        </p:cTn>
-                                        <p:tgtEl>
-                                          <p:spTgt spid="320"/>
-                                        </p:tgtEl>
-                                        <p:attrNameLst>
-                                          <p:attrName>style.visibility</p:attrName>
-                                        </p:attrNameLst>
-                                      </p:cBhvr>
-                                      <p:to>
-                                        <p:strVal val="visible"/>
-                                      </p:to>
-                                    </p:set>
-                                    <p:animEffect filter="fade" transition="in">
-                                      <p:cBhvr>
-                                        <p:cTn dur="1000"/>
-                                        <p:tgtEl>
-                                          <p:spTgt spid="320"/>
-                                        </p:tgtEl>
-                                      </p:cBhvr>
-                                    </p:animEffect>
-                                  </p:childTnLst>
-                                </p:cTn>
-                              </p:par>
-                            </p:childTnLst>
-                          </p:cTn>
-                        </p:par>
-                      </p:childTnLst>
-                    </p:cTn>
-                  </p:par>
-                  <p:par>
-                    <p:cTn fill="hold">
-                      <p:stCondLst>
-                        <p:cond delay="indefinite"/>
-                      </p:stCondLst>
-                      <p:childTnLst>
-                        <p:par>
-                          <p:cTn fill="hold">
-                            <p:stCondLst>
-                              <p:cond delay="0"/>
-                            </p:stCondLst>
-                            <p:childTnLst>
-                              <p:par>
-                                <p:cTn fill="hold" nodeType="clickEffect" presetClass="entr" presetID="10" presetSubtype="0">
-                                  <p:stCondLst>
-                                    <p:cond delay="0"/>
-                                  </p:stCondLst>
-                                  <p:childTnLst>
-                                    <p:set>
-                                      <p:cBhvr>
-                                        <p:cTn dur="1" fill="hold">
-                                          <p:stCondLst>
-                                            <p:cond delay="0"/>
-                                          </p:stCondLst>
-                                        </p:cTn>
-                                        <p:tgtEl>
-                                          <p:spTgt spid="321"/>
-                                        </p:tgtEl>
-                                        <p:attrNameLst>
-                                          <p:attrName>style.visibility</p:attrName>
-                                        </p:attrNameLst>
-                                      </p:cBhvr>
-                                      <p:to>
-                                        <p:strVal val="visible"/>
-                                      </p:to>
-                                    </p:set>
-                                    <p:animEffect filter="fade" transition="in">
-                                      <p:cBhvr>
-                                        <p:cTn dur="1000"/>
-                                        <p:tgtEl>
-                                          <p:spTgt spid="321"/>
-                                        </p:tgtEl>
-                                      </p:cBhvr>
-                                    </p:animEffect>
-                                  </p:childTnLst>
-                                </p:cTn>
-                              </p:par>
-                              <p:par>
-                                <p:cTn fill="hold" nodeType="withEffect" presetClass="entr" presetID="10" presetSubtype="0">
-                                  <p:stCondLst>
-                                    <p:cond delay="0"/>
-                                  </p:stCondLst>
-                                  <p:childTnLst>
-                                    <p:set>
-                                      <p:cBhvr>
-                                        <p:cTn dur="1" fill="hold">
-                                          <p:stCondLst>
-                                            <p:cond delay="0"/>
-                                          </p:stCondLst>
-                                        </p:cTn>
-                                        <p:tgtEl>
-                                          <p:spTgt spid="324"/>
-                                        </p:tgtEl>
-                                        <p:attrNameLst>
-                                          <p:attrName>style.visibility</p:attrName>
-                                        </p:attrNameLst>
-                                      </p:cBhvr>
-                                      <p:to>
-                                        <p:strVal val="visible"/>
-                                      </p:to>
-                                    </p:set>
-                                    <p:animEffect filter="fade" transition="in">
-                                      <p:cBhvr>
-                                        <p:cTn dur="1000"/>
-                                        <p:tgtEl>
-                                          <p:spTgt spid="324"/>
-                                        </p:tgtEl>
-                                      </p:cBhvr>
-                                    </p:animEffect>
-                                  </p:childTnLst>
-                                </p:cTn>
-                              </p:par>
-                            </p:childTnLst>
-                          </p:cTn>
-                        </p:par>
-                      </p:childTnLst>
-                    </p:cTn>
-                  </p:par>
-                  <p:par>
-                    <p:cTn fill="hold">
-                      <p:stCondLst>
-                        <p:cond delay="indefinite"/>
-                      </p:stCondLst>
-                      <p:childTnLst>
-                        <p:par>
-                          <p:cTn fill="hold">
-                            <p:stCondLst>
-                              <p:cond delay="0"/>
-                            </p:stCondLst>
-                            <p:childTnLst>
-                              <p:par>
-                                <p:cTn fill="hold" nodeType="clickEffect" presetClass="entr" presetID="10" presetSubtype="0">
-                                  <p:stCondLst>
-                                    <p:cond delay="0"/>
-                                  </p:stCondLst>
-                                  <p:childTnLst>
-                                    <p:set>
-                                      <p:cBhvr>
-                                        <p:cTn dur="1" fill="hold">
-                                          <p:stCondLst>
-                                            <p:cond delay="0"/>
-                                          </p:stCondLst>
-                                        </p:cTn>
-                                        <p:tgtEl>
-                                          <p:spTgt spid="322"/>
-                                        </p:tgtEl>
-                                        <p:attrNameLst>
-                                          <p:attrName>style.visibility</p:attrName>
-                                        </p:attrNameLst>
-                                      </p:cBhvr>
-                                      <p:to>
-                                        <p:strVal val="visible"/>
-                                      </p:to>
-                                    </p:set>
-                                    <p:animEffect filter="fade" transition="in">
-                                      <p:cBhvr>
-                                        <p:cTn dur="1000"/>
-                                        <p:tgtEl>
-                                          <p:spTgt spid="322"/>
-                                        </p:tgtEl>
-                                      </p:cBhvr>
-                                    </p:animEffect>
-                                  </p:childTnLst>
-                                </p:cTn>
-                              </p:par>
-                              <p:par>
-                                <p:cTn fill="hold" nodeType="withEffect" presetClass="entr" presetID="10" presetSubtype="0">
-                                  <p:stCondLst>
-                                    <p:cond delay="0"/>
-                                  </p:stCondLst>
-                                  <p:childTnLst>
-                                    <p:set>
-                                      <p:cBhvr>
-                                        <p:cTn dur="1" fill="hold">
-                                          <p:stCondLst>
-                                            <p:cond delay="0"/>
-                                          </p:stCondLst>
-                                        </p:cTn>
-                                        <p:tgtEl>
-                                          <p:spTgt spid="325"/>
-                                        </p:tgtEl>
-                                        <p:attrNameLst>
-                                          <p:attrName>style.visibility</p:attrName>
-                                        </p:attrNameLst>
-                                      </p:cBhvr>
-                                      <p:to>
-                                        <p:strVal val="visible"/>
-                                      </p:to>
-                                    </p:set>
-                                    <p:animEffect filter="fade" transition="in">
-                                      <p:cBhvr>
-                                        <p:cTn dur="1000"/>
-                                        <p:tgtEl>
-                                          <p:spTgt spid="325"/>
-                                        </p:tgtEl>
-                                      </p:cBhvr>
-                                    </p:animEffect>
-                                  </p:childTnLst>
-                                </p:cTn>
-                              </p:par>
-                            </p:childTnLst>
-                          </p:cTn>
-                        </p:par>
-                      </p:childTnLst>
-                    </p:cTn>
-                  </p:par>
-                  <p:par>
-                    <p:cTn fill="hold">
-                      <p:stCondLst>
-                        <p:cond delay="indefinite"/>
-                      </p:stCondLst>
-                      <p:childTnLst>
-                        <p:par>
-                          <p:cTn fill="hold">
-                            <p:stCondLst>
-                              <p:cond delay="0"/>
-                            </p:stCondLst>
-                            <p:childTnLst>
-                              <p:par>
-                                <p:cTn fill="hold" nodeType="clickEffect" presetClass="entr" presetID="10" presetSubtype="0">
-                                  <p:stCondLst>
-                                    <p:cond delay="0"/>
-                                  </p:stCondLst>
-                                  <p:childTnLst>
-                                    <p:set>
-                                      <p:cBhvr>
-                                        <p:cTn dur="1" fill="hold">
-                                          <p:stCondLst>
-                                            <p:cond delay="0"/>
-                                          </p:stCondLst>
-                                        </p:cTn>
-                                        <p:tgtEl>
-                                          <p:spTgt spid="323"/>
-                                        </p:tgtEl>
-                                        <p:attrNameLst>
-                                          <p:attrName>style.visibility</p:attrName>
-                                        </p:attrNameLst>
-                                      </p:cBhvr>
-                                      <p:to>
-                                        <p:strVal val="visible"/>
-                                      </p:to>
-                                    </p:set>
-                                    <p:animEffect filter="fade" transition="in">
-                                      <p:cBhvr>
-                                        <p:cTn dur="1000"/>
-                                        <p:tgtEl>
-                                          <p:spTgt spid="323"/>
-                                        </p:tgtEl>
-                                      </p:cBhvr>
-                                    </p:animEffect>
-                                  </p:childTnLst>
-                                </p:cTn>
-                              </p:par>
-                              <p:par>
-                                <p:cTn fill="hold" nodeType="withEffect" presetClass="entr" presetID="10" presetSubtype="0">
-                                  <p:stCondLst>
-                                    <p:cond delay="0"/>
-                                  </p:stCondLst>
-                                  <p:childTnLst>
-                                    <p:set>
-                                      <p:cBhvr>
-                                        <p:cTn dur="1" fill="hold">
-                                          <p:stCondLst>
-                                            <p:cond delay="0"/>
-                                          </p:stCondLst>
-                                        </p:cTn>
-                                        <p:tgtEl>
-                                          <p:spTgt spid="326"/>
-                                        </p:tgtEl>
-                                        <p:attrNameLst>
-                                          <p:attrName>style.visibility</p:attrName>
-                                        </p:attrNameLst>
-                                      </p:cBhvr>
-                                      <p:to>
-                                        <p:strVal val="visible"/>
-                                      </p:to>
-                                    </p:set>
-                                    <p:animEffect filter="fade" transition="in">
-                                      <p:cBhvr>
-                                        <p:cTn dur="1000"/>
-                                        <p:tgtEl>
-                                          <p:spTgt spid="326"/>
-                                        </p:tgtEl>
-                                      </p:cBhvr>
-                                    </p:animEffect>
-                                  </p:childTnLst>
-                                </p:cTn>
-                              </p:par>
-                            </p:childTnLst>
-                          </p:cTn>
-                        </p:par>
-                      </p:childTnLst>
-                    </p:cTn>
-                  </p:par>
-                  <p:par>
-                    <p:cTn fill="hold">
-                      <p:stCondLst>
-                        <p:cond delay="indefinite"/>
-                      </p:stCondLst>
-                      <p:childTnLst>
-                        <p:par>
-                          <p:cTn fill="hold">
-                            <p:stCondLst>
-                              <p:cond delay="0"/>
-                            </p:stCondLst>
-                            <p:childTnLst>
-                              <p:par>
-                                <p:cTn fill="hold" nodeType="clickEffect" presetClass="entr" presetID="10" presetSubtype="0">
-                                  <p:stCondLst>
-                                    <p:cond delay="0"/>
-                                  </p:stCondLst>
-                                  <p:childTnLst>
-                                    <p:set>
-                                      <p:cBhvr>
-                                        <p:cTn dur="1" fill="hold">
-                                          <p:stCondLst>
-                                            <p:cond delay="0"/>
-                                          </p:stCondLst>
-                                        </p:cTn>
-                                        <p:tgtEl>
-                                          <p:spTgt spid="327"/>
-                                        </p:tgtEl>
-                                        <p:attrNameLst>
-                                          <p:attrName>style.visibility</p:attrName>
-                                        </p:attrNameLst>
-                                      </p:cBhvr>
-                                      <p:to>
-                                        <p:strVal val="visible"/>
-                                      </p:to>
-                                    </p:set>
-                                    <p:animEffect filter="fade" transition="in">
-                                      <p:cBhvr>
-                                        <p:cTn dur="1000"/>
-                                        <p:tgtEl>
-                                          <p:spTgt spid="327"/>
-                                        </p:tgtEl>
-                                      </p:cBhvr>
-                                    </p:animEffect>
-                                  </p:childTnLst>
-                                </p:cTn>
-                              </p:par>
-                              <p:par>
-                                <p:cTn fill="hold" nodeType="withEffect" presetClass="entr" presetID="10" presetSubtype="0">
-                                  <p:stCondLst>
-                                    <p:cond delay="0"/>
-                                  </p:stCondLst>
-                                  <p:childTnLst>
-                                    <p:set>
-                                      <p:cBhvr>
-                                        <p:cTn dur="1" fill="hold">
-                                          <p:stCondLst>
-                                            <p:cond delay="0"/>
-                                          </p:stCondLst>
-                                        </p:cTn>
-                                        <p:tgtEl>
-                                          <p:spTgt spid="328"/>
-                                        </p:tgtEl>
-                                        <p:attrNameLst>
-                                          <p:attrName>style.visibility</p:attrName>
-                                        </p:attrNameLst>
-                                      </p:cBhvr>
-                                      <p:to>
-                                        <p:strVal val="visible"/>
-                                      </p:to>
-                                    </p:set>
-                                    <p:animEffect filter="fade" transition="in">
-                                      <p:cBhvr>
-                                        <p:cTn dur="1000"/>
-                                        <p:tgtEl>
-                                          <p:spTgt spid="328"/>
-                                        </p:tgtEl>
-                                      </p:cBhvr>
-                                    </p:animEffect>
-                                  </p:childTnLst>
-                                </p:cTn>
-                              </p:par>
-                            </p:childTnLst>
-                          </p:cTn>
-                        </p:par>
-                      </p:childTnLst>
-                    </p:cTn>
-                  </p:par>
-                </p:childTnLst>
-              </p:cTn>
-              <p:prevCondLst>
-                <p:cond evt="onPrev">
-                  <p:tgtEl>
-                    <p:sldTgt/>
-                  </p:tgtEl>
-                </p:cond>
-              </p:prevCondLst>
-              <p:nextCondLst>
-                <p:cond evt="onNext">
-                  <p:tgtEl>
-                    <p:sldTgt/>
-                  </p:tgtEl>
-                </p:cond>
-              </p:nextCondLst>
-            </p:seq>
-          </p:childTnLst>
-        </p:cTn>
-      </p:par>
-    </p:tnLst>
-  </p:timing>
-</p:sld>
-</file>
-
-<file path=ppt/slides/slide6.xml><?xml version="1.0" encoding="utf-8"?>
-<p:sld xmlns:a="http://schemas.openxmlformats.org/drawingml/2006/main" xmlns:r="http://schemas.openxmlformats.org/officeDocument/2006/relationships" xmlns:mc="http://schemas.openxmlformats.org/markup-compatibility/2006" xmlns:mv="urn:schemas-microsoft-com:mac:vml" xmlns:p="http://schemas.openxmlformats.org/presentationml/2006/main" xmlns:c="http://schemas.openxmlformats.org/drawingml/2006/chart" xmlns:dgm="http://schemas.openxmlformats.org/drawingml/2006/diagram" xmlns:o="urn:schemas-microsoft-com:office:office" xmlns:v="urn:schemas-microsoft-com:vml" xmlns:pvml="urn:schemas-microsoft-com:office:powerpoint" xmlns:com="http://schemas.openxmlformats.org/drawingml/2006/compatibility" xmlns:p14="http://schemas.microsoft.com/office/powerpoint/2010/main" xmlns:p15="http://schemas.microsoft.com/office/powerpoint/2012/main" xmlns:ahyp="http://schemas.microsoft.com/office/drawing/2018/hyperlinkcolor">
-  <p:cSld>
-    <p:spTree>
-      <p:nvGrpSpPr>
-        <p:cNvPr id="332" name="Shape 332"/>
-        <p:cNvGrpSpPr/>
-        <p:nvPr/>
-      </p:nvGrpSpPr>
-      <p:grpSpPr>
-        <a:xfrm>
-          <a:off x="0" y="0"/>
-          <a:ext cx="0" cy="0"/>
-          <a:chOff x="0" y="0"/>
-          <a:chExt cx="0" cy="0"/>
-        </a:xfrm>
-      </p:grpSpPr>
-      <p:sp>
-        <p:nvSpPr>
-          <p:cNvPr id="333" name="Google Shape;333;p6"/>
+          <p:cNvPr id="303" name="Google Shape;303;p6"/>
           <p:cNvSpPr txBox="1"/>
           <p:nvPr>
             <p:ph type="ctrTitle"/>
@@ -45409,7 +43019,7 @@
                                           </p:stCondLst>
                                         </p:cTn>
                                         <p:tgtEl>
-                                          <p:spTgt spid="333"/>
+                                          <p:spTgt spid="303"/>
                                         </p:tgtEl>
                                         <p:attrNameLst>
                                           <p:attrName>style.visibility</p:attrName>
@@ -45423,7 +43033,7 @@
                                       <p:cBhvr>
                                         <p:cTn dur="1000"/>
                                         <p:tgtEl>
-                                          <p:spTgt spid="333"/>
+                                          <p:spTgt spid="303"/>
                                         </p:tgtEl>
                                       </p:cBhvr>
                                     </p:animEffect>
@@ -45461,12 +43071,12 @@
 </p:sld>
 </file>
 
-<file path=ppt/slides/slide7.xml><?xml version="1.0" encoding="utf-8"?>
+<file path=ppt/slides/slide4.xml><?xml version="1.0" encoding="utf-8"?>
 <p:sld xmlns:a="http://schemas.openxmlformats.org/drawingml/2006/main" xmlns:r="http://schemas.openxmlformats.org/officeDocument/2006/relationships" xmlns:mc="http://schemas.openxmlformats.org/markup-compatibility/2006" xmlns:mv="urn:schemas-microsoft-com:mac:vml" xmlns:p="http://schemas.openxmlformats.org/presentationml/2006/main" xmlns:c="http://schemas.openxmlformats.org/drawingml/2006/chart" xmlns:dgm="http://schemas.openxmlformats.org/drawingml/2006/diagram" xmlns:o="urn:schemas-microsoft-com:office:office" xmlns:v="urn:schemas-microsoft-com:vml" xmlns:pvml="urn:schemas-microsoft-com:office:powerpoint" xmlns:com="http://schemas.openxmlformats.org/drawingml/2006/compatibility" xmlns:p14="http://schemas.microsoft.com/office/powerpoint/2010/main" xmlns:p15="http://schemas.microsoft.com/office/powerpoint/2012/main" xmlns:ahyp="http://schemas.microsoft.com/office/drawing/2018/hyperlinkcolor">
   <p:cSld>
     <p:spTree>
       <p:nvGrpSpPr>
-        <p:cNvPr id="337" name="Shape 337"/>
+        <p:cNvPr id="307" name="Shape 307"/>
         <p:cNvGrpSpPr/>
         <p:nvPr/>
       </p:nvGrpSpPr>
@@ -45480,7 +43090,7 @@
       </p:grpSpPr>
       <p:sp>
         <p:nvSpPr>
-          <p:cNvPr id="338" name="Google Shape;338;p7"/>
+          <p:cNvPr id="308" name="Google Shape;308;p7"/>
           <p:cNvSpPr txBox="1"/>
           <p:nvPr>
             <p:ph type="title"/>
@@ -45542,7 +43152,7 @@
       </p:sp>
       <p:sp>
         <p:nvSpPr>
-          <p:cNvPr id="339" name="Google Shape;339;p7"/>
+          <p:cNvPr id="309" name="Google Shape;309;p7"/>
           <p:cNvSpPr txBox="1"/>
           <p:nvPr>
             <p:ph idx="1" type="body"/>
@@ -45603,7 +43213,7 @@
       </p:sp>
       <p:sp>
         <p:nvSpPr>
-          <p:cNvPr id="340" name="Google Shape;340;p7"/>
+          <p:cNvPr id="310" name="Google Shape;310;p7"/>
           <p:cNvSpPr txBox="1"/>
           <p:nvPr>
             <p:ph idx="2" type="body"/>
@@ -45674,7 +43284,7 @@
       </p:sp>
       <p:sp>
         <p:nvSpPr>
-          <p:cNvPr id="341" name="Google Shape;341;p7"/>
+          <p:cNvPr id="311" name="Google Shape;311;p7"/>
           <p:cNvSpPr txBox="1"/>
           <p:nvPr>
             <p:ph idx="3" type="body"/>
@@ -45735,7 +43345,7 @@
       </p:sp>
       <p:sp>
         <p:nvSpPr>
-          <p:cNvPr id="342" name="Google Shape;342;p7"/>
+          <p:cNvPr id="312" name="Google Shape;312;p7"/>
           <p:cNvSpPr txBox="1"/>
           <p:nvPr>
             <p:ph idx="4" type="body"/>
@@ -45806,7 +43416,7 @@
       </p:sp>
       <p:sp>
         <p:nvSpPr>
-          <p:cNvPr id="343" name="Google Shape;343;p7"/>
+          <p:cNvPr id="313" name="Google Shape;313;p7"/>
           <p:cNvSpPr txBox="1"/>
           <p:nvPr/>
         </p:nvSpPr>
@@ -45869,7 +43479,7 @@
       </p:sp>
       <p:sp>
         <p:nvSpPr>
-          <p:cNvPr id="344" name="Google Shape;344;p7"/>
+          <p:cNvPr id="314" name="Google Shape;314;p7"/>
           <p:cNvSpPr txBox="1"/>
           <p:nvPr/>
         </p:nvSpPr>
@@ -45975,7 +43585,7 @@
                                           </p:stCondLst>
                                         </p:cTn>
                                         <p:tgtEl>
-                                          <p:spTgt spid="338"/>
+                                          <p:spTgt spid="308"/>
                                         </p:tgtEl>
                                         <p:attrNameLst>
                                           <p:attrName>style.visibility</p:attrName>
@@ -45989,7 +43599,7 @@
                                       <p:cBhvr>
                                         <p:cTn dur="1000"/>
                                         <p:tgtEl>
-                                          <p:spTgt spid="338"/>
+                                          <p:spTgt spid="308"/>
                                         </p:tgtEl>
                                       </p:cBhvr>
                                     </p:animEffect>
@@ -46028,7 +43638,7 @@
                                           </p:stCondLst>
                                         </p:cTn>
                                         <p:tgtEl>
-                                          <p:spTgt spid="343"/>
+                                          <p:spTgt spid="313"/>
                                         </p:tgtEl>
                                         <p:attrNameLst>
                                           <p:attrName>style.visibility</p:attrName>
@@ -46042,7 +43652,7 @@
                                       <p:cBhvr>
                                         <p:cTn dur="1000"/>
                                         <p:tgtEl>
-                                          <p:spTgt spid="343"/>
+                                          <p:spTgt spid="313"/>
                                         </p:tgtEl>
                                       </p:cBhvr>
                                     </p:animEffect>
@@ -46072,7 +43682,7 @@
                                           </p:stCondLst>
                                         </p:cTn>
                                         <p:tgtEl>
-                                          <p:spTgt spid="344"/>
+                                          <p:spTgt spid="314"/>
                                         </p:tgtEl>
                                         <p:attrNameLst>
                                           <p:attrName>style.visibility</p:attrName>
@@ -46086,7 +43696,7 @@
                                       <p:cBhvr>
                                         <p:cTn dur="1000"/>
                                         <p:tgtEl>
-                                          <p:spTgt spid="344"/>
+                                          <p:spTgt spid="314"/>
                                         </p:tgtEl>
                                       </p:cBhvr>
                                     </p:animEffect>
@@ -46125,7 +43735,7 @@
                                           </p:stCondLst>
                                         </p:cTn>
                                         <p:tgtEl>
-                                          <p:spTgt spid="339"/>
+                                          <p:spTgt spid="309"/>
                                         </p:tgtEl>
                                         <p:attrNameLst>
                                           <p:attrName>style.visibility</p:attrName>
@@ -46139,7 +43749,7 @@
                                       <p:cBhvr>
                                         <p:cTn dur="1000"/>
                                         <p:tgtEl>
-                                          <p:spTgt spid="339"/>
+                                          <p:spTgt spid="309"/>
                                         </p:tgtEl>
                                       </p:cBhvr>
                                     </p:animEffect>
@@ -46169,7 +43779,7 @@
                                           </p:stCondLst>
                                         </p:cTn>
                                         <p:tgtEl>
-                                          <p:spTgt spid="340"/>
+                                          <p:spTgt spid="310"/>
                                         </p:tgtEl>
                                         <p:attrNameLst>
                                           <p:attrName>style.visibility</p:attrName>
@@ -46183,7 +43793,7 @@
                                       <p:cBhvr>
                                         <p:cTn dur="1000"/>
                                         <p:tgtEl>
-                                          <p:spTgt spid="340"/>
+                                          <p:spTgt spid="310"/>
                                         </p:tgtEl>
                                       </p:cBhvr>
                                     </p:animEffect>
@@ -46222,7 +43832,7 @@
                                           </p:stCondLst>
                                         </p:cTn>
                                         <p:tgtEl>
-                                          <p:spTgt spid="341"/>
+                                          <p:spTgt spid="311"/>
                                         </p:tgtEl>
                                         <p:attrNameLst>
                                           <p:attrName>style.visibility</p:attrName>
@@ -46236,7 +43846,7 @@
                                       <p:cBhvr>
                                         <p:cTn dur="1000"/>
                                         <p:tgtEl>
-                                          <p:spTgt spid="341"/>
+                                          <p:spTgt spid="311"/>
                                         </p:tgtEl>
                                       </p:cBhvr>
                                     </p:animEffect>
@@ -46266,7 +43876,7 @@
                                           </p:stCondLst>
                                         </p:cTn>
                                         <p:tgtEl>
-                                          <p:spTgt spid="342"/>
+                                          <p:spTgt spid="312"/>
                                         </p:tgtEl>
                                         <p:attrNameLst>
                                           <p:attrName>style.visibility</p:attrName>
@@ -46280,7 +43890,7 @@
                                       <p:cBhvr>
                                         <p:cTn dur="1000"/>
                                         <p:tgtEl>
-                                          <p:spTgt spid="342"/>
+                                          <p:spTgt spid="312"/>
                                         </p:tgtEl>
                                       </p:cBhvr>
                                     </p:animEffect>
@@ -46318,12 +43928,12 @@
 </p:sld>
 </file>
 
-<file path=ppt/slides/slide8.xml><?xml version="1.0" encoding="utf-8"?>
+<file path=ppt/slides/slide5.xml><?xml version="1.0" encoding="utf-8"?>
 <p:sld xmlns:a="http://schemas.openxmlformats.org/drawingml/2006/main" xmlns:r="http://schemas.openxmlformats.org/officeDocument/2006/relationships" xmlns:mc="http://schemas.openxmlformats.org/markup-compatibility/2006" xmlns:mv="urn:schemas-microsoft-com:mac:vml" xmlns:p="http://schemas.openxmlformats.org/presentationml/2006/main" xmlns:c="http://schemas.openxmlformats.org/drawingml/2006/chart" xmlns:dgm="http://schemas.openxmlformats.org/drawingml/2006/diagram" xmlns:o="urn:schemas-microsoft-com:office:office" xmlns:v="urn:schemas-microsoft-com:vml" xmlns:pvml="urn:schemas-microsoft-com:office:powerpoint" xmlns:com="http://schemas.openxmlformats.org/drawingml/2006/compatibility" xmlns:p14="http://schemas.microsoft.com/office/powerpoint/2010/main" xmlns:p15="http://schemas.microsoft.com/office/powerpoint/2012/main" xmlns:ahyp="http://schemas.microsoft.com/office/drawing/2018/hyperlinkcolor">
   <p:cSld>
     <p:spTree>
       <p:nvGrpSpPr>
-        <p:cNvPr id="348" name="Shape 348"/>
+        <p:cNvPr id="318" name="Shape 318"/>
         <p:cNvGrpSpPr/>
         <p:nvPr/>
       </p:nvGrpSpPr>
@@ -46337,7 +43947,7 @@
       </p:grpSpPr>
       <p:sp>
         <p:nvSpPr>
-          <p:cNvPr id="349" name="Google Shape;349;p8"/>
+          <p:cNvPr id="319" name="Google Shape;319;p8"/>
           <p:cNvSpPr txBox="1"/>
           <p:nvPr>
             <p:ph type="title"/>
@@ -46399,7 +44009,7 @@
       </p:sp>
       <p:sp>
         <p:nvSpPr>
-          <p:cNvPr id="350" name="Google Shape;350;p8"/>
+          <p:cNvPr id="320" name="Google Shape;320;p8"/>
           <p:cNvSpPr txBox="1"/>
           <p:nvPr>
             <p:ph idx="1" type="body"/>
@@ -46460,7 +44070,7 @@
       </p:sp>
       <p:sp>
         <p:nvSpPr>
-          <p:cNvPr id="351" name="Google Shape;351;p8"/>
+          <p:cNvPr id="321" name="Google Shape;321;p8"/>
           <p:cNvSpPr txBox="1"/>
           <p:nvPr>
             <p:ph idx="2" type="body"/>
@@ -46522,7 +44132,7 @@
       </p:sp>
       <p:sp>
         <p:nvSpPr>
-          <p:cNvPr id="352" name="Google Shape;352;p8"/>
+          <p:cNvPr id="322" name="Google Shape;322;p8"/>
           <p:cNvSpPr txBox="1"/>
           <p:nvPr>
             <p:ph idx="3" type="body"/>
@@ -46583,7 +44193,7 @@
       </p:sp>
       <p:sp>
         <p:nvSpPr>
-          <p:cNvPr id="353" name="Google Shape;353;p8"/>
+          <p:cNvPr id="323" name="Google Shape;323;p8"/>
           <p:cNvSpPr txBox="1"/>
           <p:nvPr>
             <p:ph idx="4" type="body"/>
@@ -46699,7 +44309,7 @@
       </p:sp>
       <p:sp>
         <p:nvSpPr>
-          <p:cNvPr id="354" name="Google Shape;354;p8"/>
+          <p:cNvPr id="324" name="Google Shape;324;p8"/>
           <p:cNvSpPr txBox="1"/>
           <p:nvPr/>
         </p:nvSpPr>
@@ -46762,7 +44372,7 @@
       </p:sp>
       <p:sp>
         <p:nvSpPr>
-          <p:cNvPr id="355" name="Google Shape;355;p8"/>
+          <p:cNvPr id="325" name="Google Shape;325;p8"/>
           <p:cNvSpPr txBox="1"/>
           <p:nvPr/>
         </p:nvSpPr>
@@ -46925,7 +44535,7 @@
                                           </p:stCondLst>
                                         </p:cTn>
                                         <p:tgtEl>
-                                          <p:spTgt spid="349"/>
+                                          <p:spTgt spid="319"/>
                                         </p:tgtEl>
                                         <p:attrNameLst>
                                           <p:attrName>style.visibility</p:attrName>
@@ -46939,7 +44549,7 @@
                                       <p:cBhvr>
                                         <p:cTn dur="1000"/>
                                         <p:tgtEl>
-                                          <p:spTgt spid="349"/>
+                                          <p:spTgt spid="319"/>
                                         </p:tgtEl>
                                       </p:cBhvr>
                                     </p:animEffect>
@@ -46978,7 +44588,7 @@
                                           </p:stCondLst>
                                         </p:cTn>
                                         <p:tgtEl>
-                                          <p:spTgt spid="350"/>
+                                          <p:spTgt spid="320"/>
                                         </p:tgtEl>
                                         <p:attrNameLst>
                                           <p:attrName>style.visibility</p:attrName>
@@ -46992,7 +44602,7 @@
                                       <p:cBhvr>
                                         <p:cTn dur="1000"/>
                                         <p:tgtEl>
-                                          <p:spTgt spid="350"/>
+                                          <p:spTgt spid="320"/>
                                         </p:tgtEl>
                                       </p:cBhvr>
                                     </p:animEffect>
@@ -47010,6 +44620,2326 @@
                             <p:childTnLst>
                               <p:par>
                                 <p:cTn fill="hold" nodeType="afterEffect" presetClass="entr" presetID="10" presetSubtype="0">
+                                  <p:stCondLst>
+                                    <p:cond delay="0"/>
+                                  </p:stCondLst>
+                                  <p:childTnLst>
+                                    <p:set>
+                                      <p:cBhvr>
+                                        <p:cTn dur="1" fill="hold">
+                                          <p:stCondLst>
+                                            <p:cond delay="0"/>
+                                          </p:stCondLst>
+                                        </p:cTn>
+                                        <p:tgtEl>
+                                          <p:spTgt spid="321"/>
+                                        </p:tgtEl>
+                                        <p:attrNameLst>
+                                          <p:attrName>style.visibility</p:attrName>
+                                        </p:attrNameLst>
+                                      </p:cBhvr>
+                                      <p:to>
+                                        <p:strVal val="visible"/>
+                                      </p:to>
+                                    </p:set>
+                                    <p:animEffect filter="fade" transition="in">
+                                      <p:cBhvr>
+                                        <p:cTn dur="1000"/>
+                                        <p:tgtEl>
+                                          <p:spTgt spid="321"/>
+                                        </p:tgtEl>
+                                      </p:cBhvr>
+                                    </p:animEffect>
+                                  </p:childTnLst>
+                                </p:cTn>
+                              </p:par>
+                            </p:childTnLst>
+                          </p:cTn>
+                        </p:par>
+                      </p:childTnLst>
+                    </p:cTn>
+                  </p:par>
+                  <p:par>
+                    <p:cTn fill="hold">
+                      <p:stCondLst>
+                        <p:cond delay="indefinite"/>
+                      </p:stCondLst>
+                      <p:childTnLst>
+                        <p:par>
+                          <p:cTn fill="hold">
+                            <p:stCondLst>
+                              <p:cond delay="0"/>
+                            </p:stCondLst>
+                            <p:childTnLst>
+                              <p:par>
+                                <p:cTn fill="hold" nodeType="clickEffect" presetClass="entr" presetID="10" presetSubtype="0">
+                                  <p:stCondLst>
+                                    <p:cond delay="0"/>
+                                  </p:stCondLst>
+                                  <p:childTnLst>
+                                    <p:set>
+                                      <p:cBhvr>
+                                        <p:cTn dur="1" fill="hold">
+                                          <p:stCondLst>
+                                            <p:cond delay="0"/>
+                                          </p:stCondLst>
+                                        </p:cTn>
+                                        <p:tgtEl>
+                                          <p:spTgt spid="322"/>
+                                        </p:tgtEl>
+                                        <p:attrNameLst>
+                                          <p:attrName>style.visibility</p:attrName>
+                                        </p:attrNameLst>
+                                      </p:cBhvr>
+                                      <p:to>
+                                        <p:strVal val="visible"/>
+                                      </p:to>
+                                    </p:set>
+                                    <p:animEffect filter="fade" transition="in">
+                                      <p:cBhvr>
+                                        <p:cTn dur="1000"/>
+                                        <p:tgtEl>
+                                          <p:spTgt spid="322"/>
+                                        </p:tgtEl>
+                                      </p:cBhvr>
+                                    </p:animEffect>
+                                  </p:childTnLst>
+                                </p:cTn>
+                              </p:par>
+                            </p:childTnLst>
+                          </p:cTn>
+                        </p:par>
+                        <p:par>
+                          <p:cTn fill="hold">
+                            <p:stCondLst>
+                              <p:cond delay="1000"/>
+                            </p:stCondLst>
+                            <p:childTnLst>
+                              <p:par>
+                                <p:cTn fill="hold" nodeType="afterEffect" presetClass="entr" presetID="10" presetSubtype="0">
+                                  <p:stCondLst>
+                                    <p:cond delay="0"/>
+                                  </p:stCondLst>
+                                  <p:childTnLst>
+                                    <p:set>
+                                      <p:cBhvr>
+                                        <p:cTn dur="1" fill="hold">
+                                          <p:stCondLst>
+                                            <p:cond delay="0"/>
+                                          </p:stCondLst>
+                                        </p:cTn>
+                                        <p:tgtEl>
+                                          <p:spTgt spid="323"/>
+                                        </p:tgtEl>
+                                        <p:attrNameLst>
+                                          <p:attrName>style.visibility</p:attrName>
+                                        </p:attrNameLst>
+                                      </p:cBhvr>
+                                      <p:to>
+                                        <p:strVal val="visible"/>
+                                      </p:to>
+                                    </p:set>
+                                    <p:animEffect filter="fade" transition="in">
+                                      <p:cBhvr>
+                                        <p:cTn dur="1000"/>
+                                        <p:tgtEl>
+                                          <p:spTgt spid="323"/>
+                                        </p:tgtEl>
+                                      </p:cBhvr>
+                                    </p:animEffect>
+                                  </p:childTnLst>
+                                </p:cTn>
+                              </p:par>
+                            </p:childTnLst>
+                          </p:cTn>
+                        </p:par>
+                      </p:childTnLst>
+                    </p:cTn>
+                  </p:par>
+                  <p:par>
+                    <p:cTn fill="hold">
+                      <p:stCondLst>
+                        <p:cond delay="indefinite"/>
+                      </p:stCondLst>
+                      <p:childTnLst>
+                        <p:par>
+                          <p:cTn fill="hold">
+                            <p:stCondLst>
+                              <p:cond delay="0"/>
+                            </p:stCondLst>
+                            <p:childTnLst>
+                              <p:par>
+                                <p:cTn fill="hold" nodeType="clickEffect" presetClass="entr" presetID="10" presetSubtype="0">
+                                  <p:stCondLst>
+                                    <p:cond delay="0"/>
+                                  </p:stCondLst>
+                                  <p:childTnLst>
+                                    <p:set>
+                                      <p:cBhvr>
+                                        <p:cTn dur="1" fill="hold">
+                                          <p:stCondLst>
+                                            <p:cond delay="0"/>
+                                          </p:stCondLst>
+                                        </p:cTn>
+                                        <p:tgtEl>
+                                          <p:spTgt spid="324"/>
+                                        </p:tgtEl>
+                                        <p:attrNameLst>
+                                          <p:attrName>style.visibility</p:attrName>
+                                        </p:attrNameLst>
+                                      </p:cBhvr>
+                                      <p:to>
+                                        <p:strVal val="visible"/>
+                                      </p:to>
+                                    </p:set>
+                                    <p:animEffect filter="fade" transition="in">
+                                      <p:cBhvr>
+                                        <p:cTn dur="1000"/>
+                                        <p:tgtEl>
+                                          <p:spTgt spid="324"/>
+                                        </p:tgtEl>
+                                      </p:cBhvr>
+                                    </p:animEffect>
+                                  </p:childTnLst>
+                                </p:cTn>
+                              </p:par>
+                            </p:childTnLst>
+                          </p:cTn>
+                        </p:par>
+                        <p:par>
+                          <p:cTn fill="hold">
+                            <p:stCondLst>
+                              <p:cond delay="1000"/>
+                            </p:stCondLst>
+                            <p:childTnLst>
+                              <p:par>
+                                <p:cTn fill="hold" nodeType="afterEffect" presetClass="entr" presetID="10" presetSubtype="0">
+                                  <p:stCondLst>
+                                    <p:cond delay="0"/>
+                                  </p:stCondLst>
+                                  <p:childTnLst>
+                                    <p:set>
+                                      <p:cBhvr>
+                                        <p:cTn dur="1" fill="hold">
+                                          <p:stCondLst>
+                                            <p:cond delay="0"/>
+                                          </p:stCondLst>
+                                        </p:cTn>
+                                        <p:tgtEl>
+                                          <p:spTgt spid="325"/>
+                                        </p:tgtEl>
+                                        <p:attrNameLst>
+                                          <p:attrName>style.visibility</p:attrName>
+                                        </p:attrNameLst>
+                                      </p:cBhvr>
+                                      <p:to>
+                                        <p:strVal val="visible"/>
+                                      </p:to>
+                                    </p:set>
+                                    <p:animEffect filter="fade" transition="in">
+                                      <p:cBhvr>
+                                        <p:cTn dur="1000"/>
+                                        <p:tgtEl>
+                                          <p:spTgt spid="325"/>
+                                        </p:tgtEl>
+                                      </p:cBhvr>
+                                    </p:animEffect>
+                                  </p:childTnLst>
+                                </p:cTn>
+                              </p:par>
+                            </p:childTnLst>
+                          </p:cTn>
+                        </p:par>
+                      </p:childTnLst>
+                    </p:cTn>
+                  </p:par>
+                </p:childTnLst>
+              </p:cTn>
+              <p:prevCondLst>
+                <p:cond evt="onPrev">
+                  <p:tgtEl>
+                    <p:sldTgt/>
+                  </p:tgtEl>
+                </p:cond>
+              </p:prevCondLst>
+              <p:nextCondLst>
+                <p:cond evt="onNext">
+                  <p:tgtEl>
+                    <p:sldTgt/>
+                  </p:tgtEl>
+                </p:cond>
+              </p:nextCondLst>
+            </p:seq>
+          </p:childTnLst>
+        </p:cTn>
+      </p:par>
+    </p:tnLst>
+  </p:timing>
+</p:sld>
+</file>
+
+<file path=ppt/slides/slide6.xml><?xml version="1.0" encoding="utf-8"?>
+<p:sld xmlns:a="http://schemas.openxmlformats.org/drawingml/2006/main" xmlns:r="http://schemas.openxmlformats.org/officeDocument/2006/relationships" xmlns:mc="http://schemas.openxmlformats.org/markup-compatibility/2006" xmlns:mv="urn:schemas-microsoft-com:mac:vml" xmlns:p="http://schemas.openxmlformats.org/presentationml/2006/main" xmlns:c="http://schemas.openxmlformats.org/drawingml/2006/chart" xmlns:dgm="http://schemas.openxmlformats.org/drawingml/2006/diagram" xmlns:o="urn:schemas-microsoft-com:office:office" xmlns:v="urn:schemas-microsoft-com:vml" xmlns:pvml="urn:schemas-microsoft-com:office:powerpoint" xmlns:com="http://schemas.openxmlformats.org/drawingml/2006/compatibility" xmlns:p14="http://schemas.microsoft.com/office/powerpoint/2010/main" xmlns:p15="http://schemas.microsoft.com/office/powerpoint/2012/main" xmlns:ahyp="http://schemas.microsoft.com/office/drawing/2018/hyperlinkcolor">
+  <p:cSld>
+    <p:spTree>
+      <p:nvGrpSpPr>
+        <p:cNvPr id="329" name="Shape 329"/>
+        <p:cNvGrpSpPr/>
+        <p:nvPr/>
+      </p:nvGrpSpPr>
+      <p:grpSpPr>
+        <a:xfrm>
+          <a:off x="0" y="0"/>
+          <a:ext cx="0" cy="0"/>
+          <a:chOff x="0" y="0"/>
+          <a:chExt cx="0" cy="0"/>
+        </a:xfrm>
+      </p:grpSpPr>
+      <p:sp>
+        <p:nvSpPr>
+          <p:cNvPr id="330" name="Google Shape;330;p3"/>
+          <p:cNvSpPr txBox="1"/>
+          <p:nvPr>
+            <p:ph type="title"/>
+          </p:nvPr>
+        </p:nvSpPr>
+        <p:spPr>
+          <a:xfrm>
+            <a:off x="1262478" y="2766218"/>
+            <a:ext cx="3531464" cy="1325563"/>
+          </a:xfrm>
+          <a:prstGeom prst="rect">
+            <a:avLst/>
+          </a:prstGeom>
+          <a:noFill/>
+          <a:ln>
+            <a:noFill/>
+          </a:ln>
+        </p:spPr>
+        <p:txBody>
+          <a:bodyPr anchorCtr="0" anchor="b" bIns="45700" lIns="91425" spcFirstLastPara="1" rIns="91425" wrap="square" tIns="45700">
+            <a:normAutofit/>
+          </a:bodyPr>
+          <a:lstStyle/>
+          <a:p>
+            <a:pPr indent="0" lvl="0" marL="0" rtl="0" algn="l">
+              <a:lnSpc>
+                <a:spcPct val="90000"/>
+              </a:lnSpc>
+              <a:spcBef>
+                <a:spcPts val="0"/>
+              </a:spcBef>
+              <a:spcAft>
+                <a:spcPts val="0"/>
+              </a:spcAft>
+              <a:buClr>
+                <a:schemeClr val="lt1"/>
+              </a:buClr>
+              <a:buSzPts val="2800"/>
+              <a:buFont typeface="Arial"/>
+              <a:buNone/>
+            </a:pPr>
+            <a:r>
+              <a:rPr lang="en-US">
+                <a:latin typeface="Montserrat Medium"/>
+                <a:ea typeface="Montserrat Medium"/>
+                <a:cs typeface="Montserrat Medium"/>
+                <a:sym typeface="Montserrat Medium"/>
+              </a:rPr>
+              <a:t>INVESTIGACIÓN Y DEFINICIONES</a:t>
+            </a:r>
+            <a:endParaRPr>
+              <a:latin typeface="Montserrat Medium"/>
+              <a:ea typeface="Montserrat Medium"/>
+              <a:cs typeface="Montserrat Medium"/>
+              <a:sym typeface="Montserrat Medium"/>
+            </a:endParaRPr>
+          </a:p>
+        </p:txBody>
+      </p:sp>
+    </p:spTree>
+  </p:cSld>
+  <p:clrMapOvr>
+    <a:masterClrMapping/>
+  </p:clrMapOvr>
+  <p:timing>
+    <p:tnLst>
+      <p:par>
+        <p:cTn dur="indefinite" nodeType="tmRoot" restart="never">
+          <p:childTnLst>
+            <p:seq concurrent="1" nextAc="seek">
+              <p:cTn dur="indefinite" id="2" nodeType="mainSeq">
+                <p:childTnLst>
+                  <p:par>
+                    <p:cTn fill="hold">
+                      <p:stCondLst>
+                        <p:cond delay="indefinite"/>
+                        <p:cond evt="onBegin" delay="0">
+                          <p:tn val="2"/>
+                        </p:cond>
+                      </p:stCondLst>
+                      <p:childTnLst>
+                        <p:par>
+                          <p:cTn fill="hold">
+                            <p:stCondLst>
+                              <p:cond delay="0"/>
+                            </p:stCondLst>
+                            <p:childTnLst>
+                              <p:par>
+                                <p:cTn fill="hold" nodeType="afterEffect" presetClass="entr" presetID="10" presetSubtype="0">
+                                  <p:stCondLst>
+                                    <p:cond delay="0"/>
+                                  </p:stCondLst>
+                                  <p:childTnLst>
+                                    <p:set>
+                                      <p:cBhvr>
+                                        <p:cTn dur="1" fill="hold">
+                                          <p:stCondLst>
+                                            <p:cond delay="0"/>
+                                          </p:stCondLst>
+                                        </p:cTn>
+                                        <p:tgtEl>
+                                          <p:spTgt spid="330"/>
+                                        </p:tgtEl>
+                                        <p:attrNameLst>
+                                          <p:attrName>style.visibility</p:attrName>
+                                        </p:attrNameLst>
+                                      </p:cBhvr>
+                                      <p:to>
+                                        <p:strVal val="visible"/>
+                                      </p:to>
+                                    </p:set>
+                                    <p:animEffect filter="fade" transition="in">
+                                      <p:cBhvr>
+                                        <p:cTn dur="1500"/>
+                                        <p:tgtEl>
+                                          <p:spTgt spid="330"/>
+                                        </p:tgtEl>
+                                      </p:cBhvr>
+                                    </p:animEffect>
+                                  </p:childTnLst>
+                                </p:cTn>
+                              </p:par>
+                            </p:childTnLst>
+                          </p:cTn>
+                        </p:par>
+                      </p:childTnLst>
+                    </p:cTn>
+                  </p:par>
+                </p:childTnLst>
+              </p:cTn>
+              <p:prevCondLst>
+                <p:cond evt="onPrev">
+                  <p:tgtEl>
+                    <p:sldTgt/>
+                  </p:tgtEl>
+                </p:cond>
+              </p:prevCondLst>
+              <p:nextCondLst>
+                <p:cond evt="onNext">
+                  <p:tgtEl>
+                    <p:sldTgt/>
+                  </p:tgtEl>
+                </p:cond>
+              </p:nextCondLst>
+            </p:seq>
+          </p:childTnLst>
+        </p:cTn>
+      </p:par>
+    </p:tnLst>
+  </p:timing>
+</p:sld>
+</file>
+
+<file path=ppt/slides/slide7.xml><?xml version="1.0" encoding="utf-8"?>
+<p:sld xmlns:a="http://schemas.openxmlformats.org/drawingml/2006/main" xmlns:r="http://schemas.openxmlformats.org/officeDocument/2006/relationships" xmlns:mc="http://schemas.openxmlformats.org/markup-compatibility/2006" xmlns:mv="urn:schemas-microsoft-com:mac:vml" xmlns:p="http://schemas.openxmlformats.org/presentationml/2006/main" xmlns:c="http://schemas.openxmlformats.org/drawingml/2006/chart" xmlns:dgm="http://schemas.openxmlformats.org/drawingml/2006/diagram" xmlns:o="urn:schemas-microsoft-com:office:office" xmlns:v="urn:schemas-microsoft-com:vml" xmlns:pvml="urn:schemas-microsoft-com:office:powerpoint" xmlns:com="http://schemas.openxmlformats.org/drawingml/2006/compatibility" xmlns:p14="http://schemas.microsoft.com/office/powerpoint/2010/main" xmlns:p15="http://schemas.microsoft.com/office/powerpoint/2012/main" xmlns:ahyp="http://schemas.microsoft.com/office/drawing/2018/hyperlinkcolor">
+  <p:cSld>
+    <p:spTree>
+      <p:nvGrpSpPr>
+        <p:cNvPr id="334" name="Shape 334"/>
+        <p:cNvGrpSpPr/>
+        <p:nvPr/>
+      </p:nvGrpSpPr>
+      <p:grpSpPr>
+        <a:xfrm>
+          <a:off x="0" y="0"/>
+          <a:ext cx="0" cy="0"/>
+          <a:chOff x="0" y="0"/>
+          <a:chExt cx="0" cy="0"/>
+        </a:xfrm>
+      </p:grpSpPr>
+      <p:sp>
+        <p:nvSpPr>
+          <p:cNvPr id="335" name="Google Shape;335;p4"/>
+          <p:cNvSpPr txBox="1"/>
+          <p:nvPr>
+            <p:ph idx="1" type="body"/>
+          </p:nvPr>
+        </p:nvSpPr>
+        <p:spPr>
+          <a:xfrm>
+            <a:off x="148318" y="1481138"/>
+            <a:ext cx="2141764" cy="514350"/>
+          </a:xfrm>
+          <a:prstGeom prst="rect">
+            <a:avLst/>
+          </a:prstGeom>
+          <a:noFill/>
+          <a:ln>
+            <a:noFill/>
+          </a:ln>
+        </p:spPr>
+        <p:txBody>
+          <a:bodyPr anchorCtr="0" anchor="ctr" bIns="45700" lIns="91425" spcFirstLastPara="1" rIns="91425" wrap="square" tIns="45700">
+            <a:normAutofit lnSpcReduction="10000"/>
+          </a:bodyPr>
+          <a:lstStyle/>
+          <a:p>
+            <a:pPr indent="0" lvl="0" marL="0" rtl="0" algn="r">
+              <a:lnSpc>
+                <a:spcPct val="90000"/>
+              </a:lnSpc>
+              <a:spcBef>
+                <a:spcPts val="0"/>
+              </a:spcBef>
+              <a:spcAft>
+                <a:spcPts val="0"/>
+              </a:spcAft>
+              <a:buClr>
+                <a:schemeClr val="dk1"/>
+              </a:buClr>
+              <a:buSzPts val="1600"/>
+              <a:buNone/>
+            </a:pPr>
+            <a:r>
+              <a:rPr lang="en-US">
+                <a:latin typeface="Montserrat Medium"/>
+                <a:ea typeface="Montserrat Medium"/>
+                <a:cs typeface="Montserrat Medium"/>
+                <a:sym typeface="Montserrat Medium"/>
+              </a:rPr>
+              <a:t>INTELIGENCIA ARTIFICIAL</a:t>
+            </a:r>
+            <a:endParaRPr>
+              <a:latin typeface="Montserrat Medium"/>
+              <a:ea typeface="Montserrat Medium"/>
+              <a:cs typeface="Montserrat Medium"/>
+              <a:sym typeface="Montserrat Medium"/>
+            </a:endParaRPr>
+          </a:p>
+        </p:txBody>
+      </p:sp>
+      <p:sp>
+        <p:nvSpPr>
+          <p:cNvPr id="336" name="Google Shape;336;p4"/>
+          <p:cNvSpPr txBox="1"/>
+          <p:nvPr>
+            <p:ph idx="2" type="body"/>
+          </p:nvPr>
+        </p:nvSpPr>
+        <p:spPr>
+          <a:xfrm>
+            <a:off x="488272" y="2557463"/>
+            <a:ext cx="2367867" cy="514350"/>
+          </a:xfrm>
+          <a:prstGeom prst="rect">
+            <a:avLst/>
+          </a:prstGeom>
+          <a:noFill/>
+          <a:ln>
+            <a:noFill/>
+          </a:ln>
+        </p:spPr>
+        <p:txBody>
+          <a:bodyPr anchorCtr="0" anchor="ctr" bIns="45700" lIns="91425" spcFirstLastPara="1" rIns="91425" wrap="square" tIns="45700">
+            <a:noAutofit/>
+          </a:bodyPr>
+          <a:lstStyle/>
+          <a:p>
+            <a:pPr indent="0" lvl="0" marL="0" rtl="0" algn="r">
+              <a:lnSpc>
+                <a:spcPct val="90000"/>
+              </a:lnSpc>
+              <a:spcBef>
+                <a:spcPts val="0"/>
+              </a:spcBef>
+              <a:spcAft>
+                <a:spcPts val="0"/>
+              </a:spcAft>
+              <a:buClr>
+                <a:schemeClr val="dk1"/>
+              </a:buClr>
+              <a:buSzPts val="1600"/>
+              <a:buNone/>
+            </a:pPr>
+            <a:r>
+              <a:rPr lang="en-US">
+                <a:latin typeface="Montserrat Medium"/>
+                <a:ea typeface="Montserrat Medium"/>
+                <a:cs typeface="Montserrat Medium"/>
+                <a:sym typeface="Montserrat Medium"/>
+              </a:rPr>
+              <a:t>MACHINE LEARNING</a:t>
+            </a:r>
+            <a:endParaRPr>
+              <a:latin typeface="Montserrat Medium"/>
+              <a:ea typeface="Montserrat Medium"/>
+              <a:cs typeface="Montserrat Medium"/>
+              <a:sym typeface="Montserrat Medium"/>
+            </a:endParaRPr>
+          </a:p>
+        </p:txBody>
+      </p:sp>
+      <p:sp>
+        <p:nvSpPr>
+          <p:cNvPr id="337" name="Google Shape;337;p4"/>
+          <p:cNvSpPr txBox="1"/>
+          <p:nvPr>
+            <p:ph idx="3" type="body"/>
+          </p:nvPr>
+        </p:nvSpPr>
+        <p:spPr>
+          <a:xfrm>
+            <a:off x="1320800" y="3633788"/>
+            <a:ext cx="2141764" cy="514350"/>
+          </a:xfrm>
+          <a:prstGeom prst="rect">
+            <a:avLst/>
+          </a:prstGeom>
+          <a:noFill/>
+          <a:ln>
+            <a:noFill/>
+          </a:ln>
+        </p:spPr>
+        <p:txBody>
+          <a:bodyPr anchorCtr="0" anchor="ctr" bIns="45700" lIns="91425" spcFirstLastPara="1" rIns="91425" wrap="square" tIns="45700">
+            <a:noAutofit/>
+          </a:bodyPr>
+          <a:lstStyle/>
+          <a:p>
+            <a:pPr indent="0" lvl="0" marL="0" rtl="0" algn="r">
+              <a:lnSpc>
+                <a:spcPct val="90000"/>
+              </a:lnSpc>
+              <a:spcBef>
+                <a:spcPts val="0"/>
+              </a:spcBef>
+              <a:spcAft>
+                <a:spcPts val="0"/>
+              </a:spcAft>
+              <a:buClr>
+                <a:schemeClr val="dk1"/>
+              </a:buClr>
+              <a:buSzPts val="1600"/>
+              <a:buNone/>
+            </a:pPr>
+            <a:r>
+              <a:rPr lang="en-US">
+                <a:latin typeface="Montserrat Medium"/>
+                <a:ea typeface="Montserrat Medium"/>
+                <a:cs typeface="Montserrat Medium"/>
+                <a:sym typeface="Montserrat Medium"/>
+              </a:rPr>
+              <a:t>DEEP LEARNING</a:t>
+            </a:r>
+            <a:endParaRPr>
+              <a:latin typeface="Montserrat Medium"/>
+              <a:ea typeface="Montserrat Medium"/>
+              <a:cs typeface="Montserrat Medium"/>
+              <a:sym typeface="Montserrat Medium"/>
+            </a:endParaRPr>
+          </a:p>
+        </p:txBody>
+      </p:sp>
+      <p:sp>
+        <p:nvSpPr>
+          <p:cNvPr id="338" name="Google Shape;338;p4"/>
+          <p:cNvSpPr txBox="1"/>
+          <p:nvPr>
+            <p:ph idx="4" type="body"/>
+          </p:nvPr>
+        </p:nvSpPr>
+        <p:spPr>
+          <a:xfrm>
+            <a:off x="1905000" y="4710114"/>
+            <a:ext cx="2141764" cy="514350"/>
+          </a:xfrm>
+          <a:prstGeom prst="rect">
+            <a:avLst/>
+          </a:prstGeom>
+          <a:noFill/>
+          <a:ln>
+            <a:noFill/>
+          </a:ln>
+        </p:spPr>
+        <p:txBody>
+          <a:bodyPr anchorCtr="0" anchor="ctr" bIns="45700" lIns="91425" spcFirstLastPara="1" rIns="91425" wrap="square" tIns="45700">
+            <a:noAutofit/>
+          </a:bodyPr>
+          <a:lstStyle/>
+          <a:p>
+            <a:pPr indent="0" lvl="0" marL="0" rtl="0" algn="r">
+              <a:lnSpc>
+                <a:spcPct val="90000"/>
+              </a:lnSpc>
+              <a:spcBef>
+                <a:spcPts val="0"/>
+              </a:spcBef>
+              <a:spcAft>
+                <a:spcPts val="0"/>
+              </a:spcAft>
+              <a:buClr>
+                <a:schemeClr val="dk1"/>
+              </a:buClr>
+              <a:buSzPts val="1600"/>
+              <a:buNone/>
+            </a:pPr>
+            <a:r>
+              <a:rPr lang="en-US">
+                <a:latin typeface="Montserrat Medium"/>
+                <a:ea typeface="Montserrat Medium"/>
+                <a:cs typeface="Montserrat Medium"/>
+                <a:sym typeface="Montserrat Medium"/>
+              </a:rPr>
+              <a:t>DATA SCIENCE</a:t>
+            </a:r>
+            <a:endParaRPr>
+              <a:latin typeface="Montserrat Medium"/>
+              <a:ea typeface="Montserrat Medium"/>
+              <a:cs typeface="Montserrat Medium"/>
+              <a:sym typeface="Montserrat Medium"/>
+            </a:endParaRPr>
+          </a:p>
+        </p:txBody>
+      </p:sp>
+      <p:sp>
+        <p:nvSpPr>
+          <p:cNvPr id="339" name="Google Shape;339;p4"/>
+          <p:cNvSpPr txBox="1"/>
+          <p:nvPr>
+            <p:ph idx="5" type="body"/>
+          </p:nvPr>
+        </p:nvSpPr>
+        <p:spPr>
+          <a:xfrm>
+            <a:off x="4401535" y="1594478"/>
+            <a:ext cx="5539095" cy="1010842"/>
+          </a:xfrm>
+          <a:prstGeom prst="rect">
+            <a:avLst/>
+          </a:prstGeom>
+          <a:noFill/>
+          <a:ln>
+            <a:noFill/>
+          </a:ln>
+        </p:spPr>
+        <p:txBody>
+          <a:bodyPr anchorCtr="0" anchor="t" bIns="45700" lIns="91425" spcFirstLastPara="1" rIns="91425" wrap="square" tIns="45700">
+            <a:normAutofit/>
+          </a:bodyPr>
+          <a:lstStyle/>
+          <a:p>
+            <a:pPr indent="0" lvl="0" marL="0" rtl="0" algn="l">
+              <a:lnSpc>
+                <a:spcPct val="100000"/>
+              </a:lnSpc>
+              <a:spcBef>
+                <a:spcPts val="0"/>
+              </a:spcBef>
+              <a:spcAft>
+                <a:spcPts val="0"/>
+              </a:spcAft>
+              <a:buClr>
+                <a:schemeClr val="dk1"/>
+              </a:buClr>
+              <a:buSzPts val="1400"/>
+              <a:buNone/>
+            </a:pPr>
+            <a:r>
+              <a:rPr lang="en-US">
+                <a:latin typeface="Montserrat Medium"/>
+                <a:ea typeface="Montserrat Medium"/>
+                <a:cs typeface="Montserrat Medium"/>
+                <a:sym typeface="Montserrat Medium"/>
+              </a:rPr>
+              <a:t>Sistemas informáticos que buscan imitar la inteligencia humana</a:t>
+            </a:r>
+            <a:endParaRPr>
+              <a:latin typeface="Montserrat Medium"/>
+              <a:ea typeface="Montserrat Medium"/>
+              <a:cs typeface="Montserrat Medium"/>
+              <a:sym typeface="Montserrat Medium"/>
+            </a:endParaRPr>
+          </a:p>
+          <a:p>
+            <a:pPr indent="0" lvl="0" marL="0" rtl="0" algn="l">
+              <a:lnSpc>
+                <a:spcPct val="100000"/>
+              </a:lnSpc>
+              <a:spcBef>
+                <a:spcPts val="1000"/>
+              </a:spcBef>
+              <a:spcAft>
+                <a:spcPts val="0"/>
+              </a:spcAft>
+              <a:buClr>
+                <a:schemeClr val="dk1"/>
+              </a:buClr>
+              <a:buSzPts val="1400"/>
+              <a:buNone/>
+            </a:pPr>
+            <a:r>
+              <a:t/>
+            </a:r>
+            <a:endParaRPr>
+              <a:latin typeface="Montserrat Medium"/>
+              <a:ea typeface="Montserrat Medium"/>
+              <a:cs typeface="Montserrat Medium"/>
+              <a:sym typeface="Montserrat Medium"/>
+            </a:endParaRPr>
+          </a:p>
+        </p:txBody>
+      </p:sp>
+      <p:sp>
+        <p:nvSpPr>
+          <p:cNvPr id="340" name="Google Shape;340;p4"/>
+          <p:cNvSpPr txBox="1"/>
+          <p:nvPr>
+            <p:ph idx="6" type="body"/>
+          </p:nvPr>
+        </p:nvSpPr>
+        <p:spPr>
+          <a:xfrm>
+            <a:off x="4986028" y="2673328"/>
+            <a:ext cx="5539095" cy="1010842"/>
+          </a:xfrm>
+          <a:prstGeom prst="rect">
+            <a:avLst/>
+          </a:prstGeom>
+          <a:noFill/>
+          <a:ln>
+            <a:noFill/>
+          </a:ln>
+        </p:spPr>
+        <p:txBody>
+          <a:bodyPr anchorCtr="0" anchor="t" bIns="45700" lIns="91425" spcFirstLastPara="1" rIns="91425" wrap="square" tIns="45700">
+            <a:normAutofit/>
+          </a:bodyPr>
+          <a:lstStyle/>
+          <a:p>
+            <a:pPr indent="0" lvl="0" marL="0" rtl="0" algn="l">
+              <a:lnSpc>
+                <a:spcPct val="100000"/>
+              </a:lnSpc>
+              <a:spcBef>
+                <a:spcPts val="0"/>
+              </a:spcBef>
+              <a:spcAft>
+                <a:spcPts val="0"/>
+              </a:spcAft>
+              <a:buClr>
+                <a:schemeClr val="dk1"/>
+              </a:buClr>
+              <a:buSzPts val="1400"/>
+              <a:buNone/>
+            </a:pPr>
+            <a:r>
+              <a:rPr lang="en-US">
+                <a:latin typeface="Montserrat Medium"/>
+                <a:ea typeface="Montserrat Medium"/>
+                <a:cs typeface="Montserrat Medium"/>
+                <a:sym typeface="Montserrat Medium"/>
+              </a:rPr>
+              <a:t>Aprendizaje automático y mejoras a partir de algoritmos</a:t>
+            </a:r>
+            <a:endParaRPr>
+              <a:latin typeface="Montserrat Medium"/>
+              <a:ea typeface="Montserrat Medium"/>
+              <a:cs typeface="Montserrat Medium"/>
+              <a:sym typeface="Montserrat Medium"/>
+            </a:endParaRPr>
+          </a:p>
+          <a:p>
+            <a:pPr indent="0" lvl="0" marL="0" rtl="0" algn="l">
+              <a:lnSpc>
+                <a:spcPct val="100000"/>
+              </a:lnSpc>
+              <a:spcBef>
+                <a:spcPts val="1000"/>
+              </a:spcBef>
+              <a:spcAft>
+                <a:spcPts val="0"/>
+              </a:spcAft>
+              <a:buClr>
+                <a:schemeClr val="dk1"/>
+              </a:buClr>
+              <a:buSzPts val="1400"/>
+              <a:buNone/>
+            </a:pPr>
+            <a:r>
+              <a:t/>
+            </a:r>
+            <a:endParaRPr>
+              <a:latin typeface="Montserrat Medium"/>
+              <a:ea typeface="Montserrat Medium"/>
+              <a:cs typeface="Montserrat Medium"/>
+              <a:sym typeface="Montserrat Medium"/>
+            </a:endParaRPr>
+          </a:p>
+        </p:txBody>
+      </p:sp>
+      <p:sp>
+        <p:nvSpPr>
+          <p:cNvPr id="341" name="Google Shape;341;p4"/>
+          <p:cNvSpPr txBox="1"/>
+          <p:nvPr>
+            <p:ph idx="7" type="body"/>
+          </p:nvPr>
+        </p:nvSpPr>
+        <p:spPr>
+          <a:xfrm>
+            <a:off x="5576937" y="3755394"/>
+            <a:ext cx="5539095" cy="1010842"/>
+          </a:xfrm>
+          <a:prstGeom prst="rect">
+            <a:avLst/>
+          </a:prstGeom>
+          <a:noFill/>
+          <a:ln>
+            <a:noFill/>
+          </a:ln>
+        </p:spPr>
+        <p:txBody>
+          <a:bodyPr anchorCtr="0" anchor="t" bIns="45700" lIns="91425" spcFirstLastPara="1" rIns="91425" wrap="square" tIns="45700">
+            <a:normAutofit/>
+          </a:bodyPr>
+          <a:lstStyle/>
+          <a:p>
+            <a:pPr indent="0" lvl="0" marL="0" rtl="0" algn="l">
+              <a:lnSpc>
+                <a:spcPct val="100000"/>
+              </a:lnSpc>
+              <a:spcBef>
+                <a:spcPts val="0"/>
+              </a:spcBef>
+              <a:spcAft>
+                <a:spcPts val="0"/>
+              </a:spcAft>
+              <a:buClr>
+                <a:schemeClr val="dk1"/>
+              </a:buClr>
+              <a:buSzPts val="1400"/>
+              <a:buNone/>
+            </a:pPr>
+            <a:r>
+              <a:rPr lang="en-US">
+                <a:latin typeface="Montserrat Medium"/>
+                <a:ea typeface="Montserrat Medium"/>
+                <a:cs typeface="Montserrat Medium"/>
+                <a:sym typeface="Montserrat Medium"/>
+              </a:rPr>
+              <a:t>Aprendizaje profundo mediante algoritmos que intentan simular acciones del cerebro humano</a:t>
+            </a:r>
+            <a:endParaRPr>
+              <a:latin typeface="Montserrat Medium"/>
+              <a:ea typeface="Montserrat Medium"/>
+              <a:cs typeface="Montserrat Medium"/>
+              <a:sym typeface="Montserrat Medium"/>
+            </a:endParaRPr>
+          </a:p>
+          <a:p>
+            <a:pPr indent="0" lvl="0" marL="0" rtl="0" algn="l">
+              <a:lnSpc>
+                <a:spcPct val="100000"/>
+              </a:lnSpc>
+              <a:spcBef>
+                <a:spcPts val="1000"/>
+              </a:spcBef>
+              <a:spcAft>
+                <a:spcPts val="0"/>
+              </a:spcAft>
+              <a:buClr>
+                <a:schemeClr val="dk1"/>
+              </a:buClr>
+              <a:buSzPts val="1400"/>
+              <a:buNone/>
+            </a:pPr>
+            <a:r>
+              <a:t/>
+            </a:r>
+            <a:endParaRPr>
+              <a:latin typeface="Montserrat Medium"/>
+              <a:ea typeface="Montserrat Medium"/>
+              <a:cs typeface="Montserrat Medium"/>
+              <a:sym typeface="Montserrat Medium"/>
+            </a:endParaRPr>
+          </a:p>
+        </p:txBody>
+      </p:sp>
+      <p:sp>
+        <p:nvSpPr>
+          <p:cNvPr id="342" name="Google Shape;342;p4"/>
+          <p:cNvSpPr txBox="1"/>
+          <p:nvPr>
+            <p:ph idx="8" type="body"/>
+          </p:nvPr>
+        </p:nvSpPr>
+        <p:spPr>
+          <a:xfrm>
+            <a:off x="6175279" y="4824430"/>
+            <a:ext cx="5539095" cy="1010842"/>
+          </a:xfrm>
+          <a:prstGeom prst="rect">
+            <a:avLst/>
+          </a:prstGeom>
+          <a:noFill/>
+          <a:ln>
+            <a:noFill/>
+          </a:ln>
+        </p:spPr>
+        <p:txBody>
+          <a:bodyPr anchorCtr="0" anchor="t" bIns="45700" lIns="91425" spcFirstLastPara="1" rIns="91425" wrap="square" tIns="45700">
+            <a:normAutofit/>
+          </a:bodyPr>
+          <a:lstStyle/>
+          <a:p>
+            <a:pPr indent="0" lvl="0" marL="0" rtl="0" algn="l">
+              <a:lnSpc>
+                <a:spcPct val="100000"/>
+              </a:lnSpc>
+              <a:spcBef>
+                <a:spcPts val="0"/>
+              </a:spcBef>
+              <a:spcAft>
+                <a:spcPts val="0"/>
+              </a:spcAft>
+              <a:buClr>
+                <a:schemeClr val="dk1"/>
+              </a:buClr>
+              <a:buSzPts val="1400"/>
+              <a:buNone/>
+            </a:pPr>
+            <a:r>
+              <a:rPr lang="en-US">
+                <a:latin typeface="Montserrat Medium"/>
+                <a:ea typeface="Montserrat Medium"/>
+                <a:cs typeface="Montserrat Medium"/>
+                <a:sym typeface="Montserrat Medium"/>
+              </a:rPr>
+              <a:t>Disciplina que utiliza diferentes métodos para procesar, analizar y extraer datos e información</a:t>
+            </a:r>
+            <a:endParaRPr>
+              <a:latin typeface="Montserrat Medium"/>
+              <a:ea typeface="Montserrat Medium"/>
+              <a:cs typeface="Montserrat Medium"/>
+              <a:sym typeface="Montserrat Medium"/>
+            </a:endParaRPr>
+          </a:p>
+          <a:p>
+            <a:pPr indent="0" lvl="0" marL="0" rtl="0" algn="l">
+              <a:lnSpc>
+                <a:spcPct val="100000"/>
+              </a:lnSpc>
+              <a:spcBef>
+                <a:spcPts val="1000"/>
+              </a:spcBef>
+              <a:spcAft>
+                <a:spcPts val="0"/>
+              </a:spcAft>
+              <a:buClr>
+                <a:schemeClr val="dk1"/>
+              </a:buClr>
+              <a:buSzPts val="1400"/>
+              <a:buNone/>
+            </a:pPr>
+            <a:r>
+              <a:t/>
+            </a:r>
+            <a:endParaRPr>
+              <a:latin typeface="Montserrat Medium"/>
+              <a:ea typeface="Montserrat Medium"/>
+              <a:cs typeface="Montserrat Medium"/>
+              <a:sym typeface="Montserrat Medium"/>
+            </a:endParaRPr>
+          </a:p>
+        </p:txBody>
+      </p:sp>
+    </p:spTree>
+  </p:cSld>
+  <p:clrMapOvr>
+    <a:masterClrMapping/>
+  </p:clrMapOvr>
+  <p:timing>
+    <p:tnLst>
+      <p:par>
+        <p:cTn dur="indefinite" nodeType="tmRoot" restart="never">
+          <p:childTnLst>
+            <p:seq concurrent="1" nextAc="seek">
+              <p:cTn dur="indefinite" id="2" nodeType="mainSeq">
+                <p:childTnLst>
+                  <p:par>
+                    <p:cTn fill="hold">
+                      <p:stCondLst>
+                        <p:cond delay="indefinite"/>
+                      </p:stCondLst>
+                      <p:childTnLst>
+                        <p:par>
+                          <p:cTn fill="hold">
+                            <p:stCondLst>
+                              <p:cond delay="0"/>
+                            </p:stCondLst>
+                            <p:childTnLst>
+                              <p:par>
+                                <p:cTn fill="hold" nodeType="clickEffect" presetClass="entr" presetID="10" presetSubtype="0">
+                                  <p:stCondLst>
+                                    <p:cond delay="0"/>
+                                  </p:stCondLst>
+                                  <p:childTnLst>
+                                    <p:set>
+                                      <p:cBhvr>
+                                        <p:cTn dur="1" fill="hold">
+                                          <p:stCondLst>
+                                            <p:cond delay="0"/>
+                                          </p:stCondLst>
+                                        </p:cTn>
+                                        <p:tgtEl>
+                                          <p:spTgt spid="335"/>
+                                        </p:tgtEl>
+                                        <p:attrNameLst>
+                                          <p:attrName>style.visibility</p:attrName>
+                                        </p:attrNameLst>
+                                      </p:cBhvr>
+                                      <p:to>
+                                        <p:strVal val="visible"/>
+                                      </p:to>
+                                    </p:set>
+                                    <p:animEffect filter="fade" transition="in">
+                                      <p:cBhvr>
+                                        <p:cTn dur="1000"/>
+                                        <p:tgtEl>
+                                          <p:spTgt spid="335"/>
+                                        </p:tgtEl>
+                                      </p:cBhvr>
+                                    </p:animEffect>
+                                  </p:childTnLst>
+                                </p:cTn>
+                              </p:par>
+                            </p:childTnLst>
+                          </p:cTn>
+                        </p:par>
+                      </p:childTnLst>
+                    </p:cTn>
+                  </p:par>
+                  <p:par>
+                    <p:cTn fill="hold">
+                      <p:stCondLst>
+                        <p:cond delay="indefinite"/>
+                      </p:stCondLst>
+                      <p:childTnLst>
+                        <p:par>
+                          <p:cTn fill="hold">
+                            <p:stCondLst>
+                              <p:cond delay="0"/>
+                            </p:stCondLst>
+                            <p:childTnLst>
+                              <p:par>
+                                <p:cTn fill="hold" nodeType="clickEffect" presetClass="entr" presetID="10" presetSubtype="0">
+                                  <p:stCondLst>
+                                    <p:cond delay="0"/>
+                                  </p:stCondLst>
+                                  <p:childTnLst>
+                                    <p:set>
+                                      <p:cBhvr>
+                                        <p:cTn dur="1" fill="hold">
+                                          <p:stCondLst>
+                                            <p:cond delay="0"/>
+                                          </p:stCondLst>
+                                        </p:cTn>
+                                        <p:tgtEl>
+                                          <p:spTgt spid="339"/>
+                                        </p:tgtEl>
+                                        <p:attrNameLst>
+                                          <p:attrName>style.visibility</p:attrName>
+                                        </p:attrNameLst>
+                                      </p:cBhvr>
+                                      <p:to>
+                                        <p:strVal val="visible"/>
+                                      </p:to>
+                                    </p:set>
+                                    <p:animEffect filter="fade" transition="in">
+                                      <p:cBhvr>
+                                        <p:cTn dur="1000"/>
+                                        <p:tgtEl>
+                                          <p:spTgt spid="339"/>
+                                        </p:tgtEl>
+                                      </p:cBhvr>
+                                    </p:animEffect>
+                                  </p:childTnLst>
+                                </p:cTn>
+                              </p:par>
+                            </p:childTnLst>
+                          </p:cTn>
+                        </p:par>
+                      </p:childTnLst>
+                    </p:cTn>
+                  </p:par>
+                  <p:par>
+                    <p:cTn fill="hold">
+                      <p:stCondLst>
+                        <p:cond delay="indefinite"/>
+                      </p:stCondLst>
+                      <p:childTnLst>
+                        <p:par>
+                          <p:cTn fill="hold">
+                            <p:stCondLst>
+                              <p:cond delay="0"/>
+                            </p:stCondLst>
+                            <p:childTnLst>
+                              <p:par>
+                                <p:cTn fill="hold" nodeType="clickEffect" presetClass="entr" presetID="10" presetSubtype="0">
+                                  <p:stCondLst>
+                                    <p:cond delay="0"/>
+                                  </p:stCondLst>
+                                  <p:childTnLst>
+                                    <p:set>
+                                      <p:cBhvr>
+                                        <p:cTn dur="1" fill="hold">
+                                          <p:stCondLst>
+                                            <p:cond delay="0"/>
+                                          </p:stCondLst>
+                                        </p:cTn>
+                                        <p:tgtEl>
+                                          <p:spTgt spid="336"/>
+                                        </p:tgtEl>
+                                        <p:attrNameLst>
+                                          <p:attrName>style.visibility</p:attrName>
+                                        </p:attrNameLst>
+                                      </p:cBhvr>
+                                      <p:to>
+                                        <p:strVal val="visible"/>
+                                      </p:to>
+                                    </p:set>
+                                    <p:animEffect filter="fade" transition="in">
+                                      <p:cBhvr>
+                                        <p:cTn dur="1000"/>
+                                        <p:tgtEl>
+                                          <p:spTgt spid="336"/>
+                                        </p:tgtEl>
+                                      </p:cBhvr>
+                                    </p:animEffect>
+                                  </p:childTnLst>
+                                </p:cTn>
+                              </p:par>
+                            </p:childTnLst>
+                          </p:cTn>
+                        </p:par>
+                      </p:childTnLst>
+                    </p:cTn>
+                  </p:par>
+                  <p:par>
+                    <p:cTn fill="hold">
+                      <p:stCondLst>
+                        <p:cond delay="indefinite"/>
+                      </p:stCondLst>
+                      <p:childTnLst>
+                        <p:par>
+                          <p:cTn fill="hold">
+                            <p:stCondLst>
+                              <p:cond delay="0"/>
+                            </p:stCondLst>
+                            <p:childTnLst>
+                              <p:par>
+                                <p:cTn fill="hold" nodeType="clickEffect" presetClass="entr" presetID="10" presetSubtype="0">
+                                  <p:stCondLst>
+                                    <p:cond delay="0"/>
+                                  </p:stCondLst>
+                                  <p:childTnLst>
+                                    <p:set>
+                                      <p:cBhvr>
+                                        <p:cTn dur="1" fill="hold">
+                                          <p:stCondLst>
+                                            <p:cond delay="0"/>
+                                          </p:stCondLst>
+                                        </p:cTn>
+                                        <p:tgtEl>
+                                          <p:spTgt spid="340"/>
+                                        </p:tgtEl>
+                                        <p:attrNameLst>
+                                          <p:attrName>style.visibility</p:attrName>
+                                        </p:attrNameLst>
+                                      </p:cBhvr>
+                                      <p:to>
+                                        <p:strVal val="visible"/>
+                                      </p:to>
+                                    </p:set>
+                                    <p:animEffect filter="fade" transition="in">
+                                      <p:cBhvr>
+                                        <p:cTn dur="1000"/>
+                                        <p:tgtEl>
+                                          <p:spTgt spid="340"/>
+                                        </p:tgtEl>
+                                      </p:cBhvr>
+                                    </p:animEffect>
+                                  </p:childTnLst>
+                                </p:cTn>
+                              </p:par>
+                            </p:childTnLst>
+                          </p:cTn>
+                        </p:par>
+                      </p:childTnLst>
+                    </p:cTn>
+                  </p:par>
+                  <p:par>
+                    <p:cTn fill="hold">
+                      <p:stCondLst>
+                        <p:cond delay="indefinite"/>
+                      </p:stCondLst>
+                      <p:childTnLst>
+                        <p:par>
+                          <p:cTn fill="hold">
+                            <p:stCondLst>
+                              <p:cond delay="0"/>
+                            </p:stCondLst>
+                            <p:childTnLst>
+                              <p:par>
+                                <p:cTn fill="hold" nodeType="clickEffect" presetClass="entr" presetID="10" presetSubtype="0">
+                                  <p:stCondLst>
+                                    <p:cond delay="0"/>
+                                  </p:stCondLst>
+                                  <p:childTnLst>
+                                    <p:set>
+                                      <p:cBhvr>
+                                        <p:cTn dur="1" fill="hold">
+                                          <p:stCondLst>
+                                            <p:cond delay="0"/>
+                                          </p:stCondLst>
+                                        </p:cTn>
+                                        <p:tgtEl>
+                                          <p:spTgt spid="337"/>
+                                        </p:tgtEl>
+                                        <p:attrNameLst>
+                                          <p:attrName>style.visibility</p:attrName>
+                                        </p:attrNameLst>
+                                      </p:cBhvr>
+                                      <p:to>
+                                        <p:strVal val="visible"/>
+                                      </p:to>
+                                    </p:set>
+                                    <p:animEffect filter="fade" transition="in">
+                                      <p:cBhvr>
+                                        <p:cTn dur="1000"/>
+                                        <p:tgtEl>
+                                          <p:spTgt spid="337"/>
+                                        </p:tgtEl>
+                                      </p:cBhvr>
+                                    </p:animEffect>
+                                  </p:childTnLst>
+                                </p:cTn>
+                              </p:par>
+                            </p:childTnLst>
+                          </p:cTn>
+                        </p:par>
+                      </p:childTnLst>
+                    </p:cTn>
+                  </p:par>
+                  <p:par>
+                    <p:cTn fill="hold">
+                      <p:stCondLst>
+                        <p:cond delay="indefinite"/>
+                      </p:stCondLst>
+                      <p:childTnLst>
+                        <p:par>
+                          <p:cTn fill="hold">
+                            <p:stCondLst>
+                              <p:cond delay="0"/>
+                            </p:stCondLst>
+                            <p:childTnLst>
+                              <p:par>
+                                <p:cTn fill="hold" nodeType="clickEffect" presetClass="entr" presetID="10" presetSubtype="0">
+                                  <p:stCondLst>
+                                    <p:cond delay="0"/>
+                                  </p:stCondLst>
+                                  <p:childTnLst>
+                                    <p:set>
+                                      <p:cBhvr>
+                                        <p:cTn dur="1" fill="hold">
+                                          <p:stCondLst>
+                                            <p:cond delay="0"/>
+                                          </p:stCondLst>
+                                        </p:cTn>
+                                        <p:tgtEl>
+                                          <p:spTgt spid="341"/>
+                                        </p:tgtEl>
+                                        <p:attrNameLst>
+                                          <p:attrName>style.visibility</p:attrName>
+                                        </p:attrNameLst>
+                                      </p:cBhvr>
+                                      <p:to>
+                                        <p:strVal val="visible"/>
+                                      </p:to>
+                                    </p:set>
+                                    <p:animEffect filter="fade" transition="in">
+                                      <p:cBhvr>
+                                        <p:cTn dur="1000"/>
+                                        <p:tgtEl>
+                                          <p:spTgt spid="341"/>
+                                        </p:tgtEl>
+                                      </p:cBhvr>
+                                    </p:animEffect>
+                                  </p:childTnLst>
+                                </p:cTn>
+                              </p:par>
+                            </p:childTnLst>
+                          </p:cTn>
+                        </p:par>
+                      </p:childTnLst>
+                    </p:cTn>
+                  </p:par>
+                  <p:par>
+                    <p:cTn fill="hold">
+                      <p:stCondLst>
+                        <p:cond delay="indefinite"/>
+                      </p:stCondLst>
+                      <p:childTnLst>
+                        <p:par>
+                          <p:cTn fill="hold">
+                            <p:stCondLst>
+                              <p:cond delay="0"/>
+                            </p:stCondLst>
+                            <p:childTnLst>
+                              <p:par>
+                                <p:cTn fill="hold" nodeType="clickEffect" presetClass="entr" presetID="10" presetSubtype="0">
+                                  <p:stCondLst>
+                                    <p:cond delay="0"/>
+                                  </p:stCondLst>
+                                  <p:childTnLst>
+                                    <p:set>
+                                      <p:cBhvr>
+                                        <p:cTn dur="1" fill="hold">
+                                          <p:stCondLst>
+                                            <p:cond delay="0"/>
+                                          </p:stCondLst>
+                                        </p:cTn>
+                                        <p:tgtEl>
+                                          <p:spTgt spid="338"/>
+                                        </p:tgtEl>
+                                        <p:attrNameLst>
+                                          <p:attrName>style.visibility</p:attrName>
+                                        </p:attrNameLst>
+                                      </p:cBhvr>
+                                      <p:to>
+                                        <p:strVal val="visible"/>
+                                      </p:to>
+                                    </p:set>
+                                    <p:animEffect filter="fade" transition="in">
+                                      <p:cBhvr>
+                                        <p:cTn dur="1000"/>
+                                        <p:tgtEl>
+                                          <p:spTgt spid="338"/>
+                                        </p:tgtEl>
+                                      </p:cBhvr>
+                                    </p:animEffect>
+                                  </p:childTnLst>
+                                </p:cTn>
+                              </p:par>
+                            </p:childTnLst>
+                          </p:cTn>
+                        </p:par>
+                      </p:childTnLst>
+                    </p:cTn>
+                  </p:par>
+                  <p:par>
+                    <p:cTn fill="hold">
+                      <p:stCondLst>
+                        <p:cond delay="indefinite"/>
+                      </p:stCondLst>
+                      <p:childTnLst>
+                        <p:par>
+                          <p:cTn fill="hold">
+                            <p:stCondLst>
+                              <p:cond delay="0"/>
+                            </p:stCondLst>
+                            <p:childTnLst>
+                              <p:par>
+                                <p:cTn fill="hold" nodeType="clickEffect" presetClass="entr" presetID="10" presetSubtype="0">
+                                  <p:stCondLst>
+                                    <p:cond delay="0"/>
+                                  </p:stCondLst>
+                                  <p:childTnLst>
+                                    <p:set>
+                                      <p:cBhvr>
+                                        <p:cTn dur="1" fill="hold">
+                                          <p:stCondLst>
+                                            <p:cond delay="0"/>
+                                          </p:stCondLst>
+                                        </p:cTn>
+                                        <p:tgtEl>
+                                          <p:spTgt spid="342"/>
+                                        </p:tgtEl>
+                                        <p:attrNameLst>
+                                          <p:attrName>style.visibility</p:attrName>
+                                        </p:attrNameLst>
+                                      </p:cBhvr>
+                                      <p:to>
+                                        <p:strVal val="visible"/>
+                                      </p:to>
+                                    </p:set>
+                                    <p:animEffect filter="fade" transition="in">
+                                      <p:cBhvr>
+                                        <p:cTn dur="1000"/>
+                                        <p:tgtEl>
+                                          <p:spTgt spid="342"/>
+                                        </p:tgtEl>
+                                      </p:cBhvr>
+                                    </p:animEffect>
+                                  </p:childTnLst>
+                                </p:cTn>
+                              </p:par>
+                            </p:childTnLst>
+                          </p:cTn>
+                        </p:par>
+                      </p:childTnLst>
+                    </p:cTn>
+                  </p:par>
+                </p:childTnLst>
+              </p:cTn>
+              <p:prevCondLst>
+                <p:cond evt="onPrev">
+                  <p:tgtEl>
+                    <p:sldTgt/>
+                  </p:tgtEl>
+                </p:cond>
+              </p:prevCondLst>
+              <p:nextCondLst>
+                <p:cond evt="onNext">
+                  <p:tgtEl>
+                    <p:sldTgt/>
+                  </p:tgtEl>
+                </p:cond>
+              </p:nextCondLst>
+            </p:seq>
+          </p:childTnLst>
+        </p:cTn>
+      </p:par>
+    </p:tnLst>
+  </p:timing>
+</p:sld>
+</file>
+
+<file path=ppt/slides/slide8.xml><?xml version="1.0" encoding="utf-8"?>
+<p:sld xmlns:a="http://schemas.openxmlformats.org/drawingml/2006/main" xmlns:r="http://schemas.openxmlformats.org/officeDocument/2006/relationships" xmlns:mc="http://schemas.openxmlformats.org/markup-compatibility/2006" xmlns:mv="urn:schemas-microsoft-com:mac:vml" xmlns:p="http://schemas.openxmlformats.org/presentationml/2006/main" xmlns:c="http://schemas.openxmlformats.org/drawingml/2006/chart" xmlns:dgm="http://schemas.openxmlformats.org/drawingml/2006/diagram" xmlns:o="urn:schemas-microsoft-com:office:office" xmlns:v="urn:schemas-microsoft-com:vml" xmlns:pvml="urn:schemas-microsoft-com:office:powerpoint" xmlns:com="http://schemas.openxmlformats.org/drawingml/2006/compatibility" xmlns:p14="http://schemas.microsoft.com/office/powerpoint/2010/main" xmlns:p15="http://schemas.microsoft.com/office/powerpoint/2012/main" xmlns:ahyp="http://schemas.microsoft.com/office/drawing/2018/hyperlinkcolor">
+  <p:cSld>
+    <p:spTree>
+      <p:nvGrpSpPr>
+        <p:cNvPr id="346" name="Shape 346"/>
+        <p:cNvGrpSpPr/>
+        <p:nvPr/>
+      </p:nvGrpSpPr>
+      <p:grpSpPr>
+        <a:xfrm>
+          <a:off x="0" y="0"/>
+          <a:ext cx="0" cy="0"/>
+          <a:chOff x="0" y="0"/>
+          <a:chExt cx="0" cy="0"/>
+        </a:xfrm>
+      </p:grpSpPr>
+      <p:sp>
+        <p:nvSpPr>
+          <p:cNvPr id="347" name="Google Shape;347;p5"/>
+          <p:cNvSpPr txBox="1"/>
+          <p:nvPr>
+            <p:ph type="title"/>
+          </p:nvPr>
+        </p:nvSpPr>
+        <p:spPr>
+          <a:xfrm>
+            <a:off x="1885156" y="892177"/>
+            <a:ext cx="8421600" cy="1325700"/>
+          </a:xfrm>
+          <a:prstGeom prst="rect">
+            <a:avLst/>
+          </a:prstGeom>
+          <a:noFill/>
+          <a:ln>
+            <a:noFill/>
+          </a:ln>
+        </p:spPr>
+        <p:txBody>
+          <a:bodyPr anchorCtr="0" anchor="ctr" bIns="45700" lIns="91425" spcFirstLastPara="1" rIns="91425" wrap="square" tIns="45700">
+            <a:normAutofit/>
+          </a:bodyPr>
+          <a:lstStyle/>
+          <a:p>
+            <a:pPr indent="0" lvl="0" marL="0" rtl="0" algn="ctr">
+              <a:lnSpc>
+                <a:spcPct val="90000"/>
+              </a:lnSpc>
+              <a:spcBef>
+                <a:spcPts val="0"/>
+              </a:spcBef>
+              <a:spcAft>
+                <a:spcPts val="0"/>
+              </a:spcAft>
+              <a:buClr>
+                <a:schemeClr val="dk1"/>
+              </a:buClr>
+              <a:buSzPts val="2800"/>
+              <a:buFont typeface="Arial"/>
+              <a:buNone/>
+            </a:pPr>
+            <a:r>
+              <a:rPr lang="en-US">
+                <a:latin typeface="Montserrat Medium"/>
+                <a:ea typeface="Montserrat Medium"/>
+                <a:cs typeface="Montserrat Medium"/>
+                <a:sym typeface="Montserrat Medium"/>
+              </a:rPr>
+              <a:t>COMO PODEMOS IDENTIFICARLAS</a:t>
+            </a:r>
+            <a:endParaRPr>
+              <a:latin typeface="Montserrat Medium"/>
+              <a:ea typeface="Montserrat Medium"/>
+              <a:cs typeface="Montserrat Medium"/>
+              <a:sym typeface="Montserrat Medium"/>
+            </a:endParaRPr>
+          </a:p>
+        </p:txBody>
+      </p:sp>
+      <p:sp>
+        <p:nvSpPr>
+          <p:cNvPr id="348" name="Google Shape;348;p5"/>
+          <p:cNvSpPr/>
+          <p:nvPr/>
+        </p:nvSpPr>
+        <p:spPr>
+          <a:xfrm>
+            <a:off x="4080485" y="2334827"/>
+            <a:ext cx="3600000" cy="3600000"/>
+          </a:xfrm>
+          <a:prstGeom prst="ellipse">
+            <a:avLst/>
+          </a:prstGeom>
+          <a:solidFill>
+            <a:schemeClr val="accent1"/>
+          </a:solidFill>
+          <a:ln cap="flat" cmpd="sng" w="19050">
+            <a:solidFill>
+              <a:schemeClr val="lt1"/>
+            </a:solidFill>
+            <a:prstDash val="solid"/>
+            <a:miter lim="800000"/>
+            <a:headEnd len="sm" w="sm" type="none"/>
+            <a:tailEnd len="sm" w="sm" type="none"/>
+          </a:ln>
+        </p:spPr>
+        <p:txBody>
+          <a:bodyPr anchorCtr="0" anchor="ctr" bIns="45700" lIns="91425" spcFirstLastPara="1" rIns="91425" wrap="square" tIns="45700">
+            <a:noAutofit/>
+          </a:bodyPr>
+          <a:lstStyle/>
+          <a:p>
+            <a:pPr indent="0" lvl="0" marL="0" marR="0" rtl="0" algn="ctr">
+              <a:spcBef>
+                <a:spcPts val="0"/>
+              </a:spcBef>
+              <a:spcAft>
+                <a:spcPts val="0"/>
+              </a:spcAft>
+              <a:buNone/>
+            </a:pPr>
+            <a:r>
+              <a:t/>
+            </a:r>
+            <a:endParaRPr sz="1800">
+              <a:solidFill>
+                <a:schemeClr val="lt1"/>
+              </a:solidFill>
+              <a:latin typeface="Montserrat Medium"/>
+              <a:ea typeface="Montserrat Medium"/>
+              <a:cs typeface="Montserrat Medium"/>
+              <a:sym typeface="Montserrat Medium"/>
+            </a:endParaRPr>
+          </a:p>
+        </p:txBody>
+      </p:sp>
+      <p:sp>
+        <p:nvSpPr>
+          <p:cNvPr id="349" name="Google Shape;349;p5"/>
+          <p:cNvSpPr/>
+          <p:nvPr/>
+        </p:nvSpPr>
+        <p:spPr>
+          <a:xfrm>
+            <a:off x="4617617" y="3427411"/>
+            <a:ext cx="2520000" cy="2520000"/>
+          </a:xfrm>
+          <a:prstGeom prst="ellipse">
+            <a:avLst/>
+          </a:prstGeom>
+          <a:solidFill>
+            <a:srgbClr val="1B1812">
+              <a:alpha val="40000"/>
+            </a:srgbClr>
+          </a:solidFill>
+          <a:ln>
+            <a:noFill/>
+          </a:ln>
+        </p:spPr>
+        <p:txBody>
+          <a:bodyPr anchorCtr="0" anchor="ctr" bIns="45700" lIns="91425" spcFirstLastPara="1" rIns="91425" wrap="square" tIns="45700">
+            <a:noAutofit/>
+          </a:bodyPr>
+          <a:lstStyle/>
+          <a:p>
+            <a:pPr indent="0" lvl="0" marL="0" marR="0" rtl="0" algn="ctr">
+              <a:spcBef>
+                <a:spcPts val="0"/>
+              </a:spcBef>
+              <a:spcAft>
+                <a:spcPts val="0"/>
+              </a:spcAft>
+              <a:buNone/>
+            </a:pPr>
+            <a:r>
+              <a:t/>
+            </a:r>
+            <a:endParaRPr sz="1800">
+              <a:solidFill>
+                <a:schemeClr val="lt1"/>
+              </a:solidFill>
+              <a:latin typeface="Montserrat Medium"/>
+              <a:ea typeface="Montserrat Medium"/>
+              <a:cs typeface="Montserrat Medium"/>
+              <a:sym typeface="Montserrat Medium"/>
+            </a:endParaRPr>
+          </a:p>
+        </p:txBody>
+      </p:sp>
+      <p:sp>
+        <p:nvSpPr>
+          <p:cNvPr id="350" name="Google Shape;350;p5"/>
+          <p:cNvSpPr/>
+          <p:nvPr/>
+        </p:nvSpPr>
+        <p:spPr>
+          <a:xfrm>
+            <a:off x="4973183" y="4149680"/>
+            <a:ext cx="1800000" cy="1800000"/>
+          </a:xfrm>
+          <a:prstGeom prst="ellipse">
+            <a:avLst/>
+          </a:prstGeom>
+          <a:solidFill>
+            <a:schemeClr val="dk1"/>
+          </a:solidFill>
+          <a:ln>
+            <a:noFill/>
+          </a:ln>
+        </p:spPr>
+        <p:txBody>
+          <a:bodyPr anchorCtr="0" anchor="ctr" bIns="45700" lIns="91425" spcFirstLastPara="1" rIns="91425" wrap="square" tIns="45700">
+            <a:noAutofit/>
+          </a:bodyPr>
+          <a:lstStyle/>
+          <a:p>
+            <a:pPr indent="0" lvl="0" marL="0" marR="0" rtl="0" algn="ctr">
+              <a:spcBef>
+                <a:spcPts val="0"/>
+              </a:spcBef>
+              <a:spcAft>
+                <a:spcPts val="0"/>
+              </a:spcAft>
+              <a:buNone/>
+            </a:pPr>
+            <a:r>
+              <a:t/>
+            </a:r>
+            <a:endParaRPr sz="1800">
+              <a:solidFill>
+                <a:schemeClr val="lt1"/>
+              </a:solidFill>
+              <a:latin typeface="Montserrat Medium"/>
+              <a:ea typeface="Montserrat Medium"/>
+              <a:cs typeface="Montserrat Medium"/>
+              <a:sym typeface="Montserrat Medium"/>
+            </a:endParaRPr>
+          </a:p>
+        </p:txBody>
+      </p:sp>
+      <p:sp>
+        <p:nvSpPr>
+          <p:cNvPr id="351" name="Google Shape;351;p5"/>
+          <p:cNvSpPr txBox="1"/>
+          <p:nvPr/>
+        </p:nvSpPr>
+        <p:spPr>
+          <a:xfrm>
+            <a:off x="4726350" y="2725629"/>
+            <a:ext cx="2302535" cy="767229"/>
+          </a:xfrm>
+          <a:prstGeom prst="rect">
+            <a:avLst/>
+          </a:prstGeom>
+          <a:noFill/>
+          <a:ln>
+            <a:noFill/>
+          </a:ln>
+        </p:spPr>
+        <p:txBody>
+          <a:bodyPr anchorCtr="0" anchor="ctr" bIns="45700" lIns="91425" spcFirstLastPara="1" rIns="91425" wrap="square" tIns="45700">
+            <a:normAutofit fontScale="77500"/>
+          </a:bodyPr>
+          <a:lstStyle/>
+          <a:p>
+            <a:pPr indent="0" lvl="0" marL="0" marR="0" rtl="0" algn="ctr">
+              <a:lnSpc>
+                <a:spcPct val="90000"/>
+              </a:lnSpc>
+              <a:spcBef>
+                <a:spcPts val="0"/>
+              </a:spcBef>
+              <a:spcAft>
+                <a:spcPts val="0"/>
+              </a:spcAft>
+              <a:buClr>
+                <a:schemeClr val="dk1"/>
+              </a:buClr>
+              <a:buSzPct val="100000"/>
+              <a:buFont typeface="Arial"/>
+              <a:buNone/>
+            </a:pPr>
+            <a:r>
+              <a:rPr lang="en-US" sz="2800" cap="none">
+                <a:solidFill>
+                  <a:schemeClr val="dk1"/>
+                </a:solidFill>
+                <a:latin typeface="Montserrat Medium"/>
+                <a:ea typeface="Montserrat Medium"/>
+                <a:cs typeface="Montserrat Medium"/>
+                <a:sym typeface="Montserrat Medium"/>
+              </a:rPr>
+              <a:t>INTELIGENCIA</a:t>
+            </a:r>
+            <a:endParaRPr sz="2800" cap="none">
+              <a:solidFill>
+                <a:schemeClr val="dk1"/>
+              </a:solidFill>
+              <a:latin typeface="Montserrat Medium"/>
+              <a:ea typeface="Montserrat Medium"/>
+              <a:cs typeface="Montserrat Medium"/>
+              <a:sym typeface="Montserrat Medium"/>
+            </a:endParaRPr>
+          </a:p>
+          <a:p>
+            <a:pPr indent="0" lvl="0" marL="0" marR="0" rtl="0" algn="ctr">
+              <a:lnSpc>
+                <a:spcPct val="90000"/>
+              </a:lnSpc>
+              <a:spcBef>
+                <a:spcPts val="0"/>
+              </a:spcBef>
+              <a:spcAft>
+                <a:spcPts val="0"/>
+              </a:spcAft>
+              <a:buClr>
+                <a:schemeClr val="dk1"/>
+              </a:buClr>
+              <a:buSzPct val="100000"/>
+              <a:buFont typeface="Arial"/>
+              <a:buNone/>
+            </a:pPr>
+            <a:r>
+              <a:rPr lang="en-US" sz="2800" cap="none">
+                <a:solidFill>
+                  <a:schemeClr val="dk1"/>
+                </a:solidFill>
+                <a:latin typeface="Montserrat Medium"/>
+                <a:ea typeface="Montserrat Medium"/>
+                <a:cs typeface="Montserrat Medium"/>
+                <a:sym typeface="Montserrat Medium"/>
+              </a:rPr>
+              <a:t>ARTIFICIAL</a:t>
+            </a:r>
+            <a:endParaRPr>
+              <a:latin typeface="Montserrat Medium"/>
+              <a:ea typeface="Montserrat Medium"/>
+              <a:cs typeface="Montserrat Medium"/>
+              <a:sym typeface="Montserrat Medium"/>
+            </a:endParaRPr>
+          </a:p>
+        </p:txBody>
+      </p:sp>
+      <p:sp>
+        <p:nvSpPr>
+          <p:cNvPr id="352" name="Google Shape;352;p5"/>
+          <p:cNvSpPr txBox="1"/>
+          <p:nvPr/>
+        </p:nvSpPr>
+        <p:spPr>
+          <a:xfrm>
+            <a:off x="4995127" y="3640709"/>
+            <a:ext cx="1770714" cy="553931"/>
+          </a:xfrm>
+          <a:prstGeom prst="rect">
+            <a:avLst/>
+          </a:prstGeom>
+          <a:noFill/>
+          <a:ln>
+            <a:noFill/>
+          </a:ln>
+        </p:spPr>
+        <p:txBody>
+          <a:bodyPr anchorCtr="0" anchor="ctr" bIns="45700" lIns="91425" spcFirstLastPara="1" rIns="91425" wrap="square" tIns="45700">
+            <a:normAutofit fontScale="70000" lnSpcReduction="20000"/>
+          </a:bodyPr>
+          <a:lstStyle/>
+          <a:p>
+            <a:pPr indent="0" lvl="0" marL="0" marR="0" rtl="0" algn="ctr">
+              <a:lnSpc>
+                <a:spcPct val="90000"/>
+              </a:lnSpc>
+              <a:spcBef>
+                <a:spcPts val="0"/>
+              </a:spcBef>
+              <a:spcAft>
+                <a:spcPts val="0"/>
+              </a:spcAft>
+              <a:buClr>
+                <a:schemeClr val="lt1"/>
+              </a:buClr>
+              <a:buSzPct val="100000"/>
+              <a:buFont typeface="Arial"/>
+              <a:buNone/>
+            </a:pPr>
+            <a:r>
+              <a:rPr lang="en-US" sz="2800" cap="none">
+                <a:solidFill>
+                  <a:schemeClr val="lt1"/>
+                </a:solidFill>
+                <a:latin typeface="Montserrat Medium"/>
+                <a:ea typeface="Montserrat Medium"/>
+                <a:cs typeface="Montserrat Medium"/>
+                <a:sym typeface="Montserrat Medium"/>
+              </a:rPr>
+              <a:t>MACHINE</a:t>
+            </a:r>
+            <a:endParaRPr>
+              <a:latin typeface="Montserrat Medium"/>
+              <a:ea typeface="Montserrat Medium"/>
+              <a:cs typeface="Montserrat Medium"/>
+              <a:sym typeface="Montserrat Medium"/>
+            </a:endParaRPr>
+          </a:p>
+          <a:p>
+            <a:pPr indent="0" lvl="0" marL="0" marR="0" rtl="0" algn="ctr">
+              <a:lnSpc>
+                <a:spcPct val="90000"/>
+              </a:lnSpc>
+              <a:spcBef>
+                <a:spcPts val="0"/>
+              </a:spcBef>
+              <a:spcAft>
+                <a:spcPts val="0"/>
+              </a:spcAft>
+              <a:buClr>
+                <a:schemeClr val="lt1"/>
+              </a:buClr>
+              <a:buSzPct val="100000"/>
+              <a:buFont typeface="Arial"/>
+              <a:buNone/>
+            </a:pPr>
+            <a:r>
+              <a:rPr lang="en-US" sz="2800" cap="none">
+                <a:solidFill>
+                  <a:schemeClr val="lt1"/>
+                </a:solidFill>
+                <a:latin typeface="Montserrat Medium"/>
+                <a:ea typeface="Montserrat Medium"/>
+                <a:cs typeface="Montserrat Medium"/>
+                <a:sym typeface="Montserrat Medium"/>
+              </a:rPr>
+              <a:t>LEARNING</a:t>
+            </a:r>
+            <a:endParaRPr>
+              <a:latin typeface="Montserrat Medium"/>
+              <a:ea typeface="Montserrat Medium"/>
+              <a:cs typeface="Montserrat Medium"/>
+              <a:sym typeface="Montserrat Medium"/>
+            </a:endParaRPr>
+          </a:p>
+        </p:txBody>
+      </p:sp>
+      <p:sp>
+        <p:nvSpPr>
+          <p:cNvPr id="353" name="Google Shape;353;p5"/>
+          <p:cNvSpPr txBox="1"/>
+          <p:nvPr/>
+        </p:nvSpPr>
+        <p:spPr>
+          <a:xfrm>
+            <a:off x="5072697" y="4831674"/>
+            <a:ext cx="1615573" cy="436012"/>
+          </a:xfrm>
+          <a:prstGeom prst="rect">
+            <a:avLst/>
+          </a:prstGeom>
+          <a:noFill/>
+          <a:ln>
+            <a:noFill/>
+          </a:ln>
+        </p:spPr>
+        <p:txBody>
+          <a:bodyPr anchorCtr="0" anchor="ctr" bIns="45700" lIns="91425" spcFirstLastPara="1" rIns="91425" wrap="square" tIns="45700">
+            <a:normAutofit fontScale="55000" lnSpcReduction="20000"/>
+          </a:bodyPr>
+          <a:lstStyle/>
+          <a:p>
+            <a:pPr indent="0" lvl="0" marL="0" marR="0" rtl="0" algn="ctr">
+              <a:lnSpc>
+                <a:spcPct val="90000"/>
+              </a:lnSpc>
+              <a:spcBef>
+                <a:spcPts val="0"/>
+              </a:spcBef>
+              <a:spcAft>
+                <a:spcPts val="0"/>
+              </a:spcAft>
+              <a:buClr>
+                <a:schemeClr val="lt2"/>
+              </a:buClr>
+              <a:buSzPct val="100000"/>
+              <a:buFont typeface="Arial"/>
+              <a:buNone/>
+            </a:pPr>
+            <a:r>
+              <a:rPr lang="en-US" sz="2800" cap="none">
+                <a:solidFill>
+                  <a:schemeClr val="lt2"/>
+                </a:solidFill>
+                <a:latin typeface="Montserrat Medium"/>
+                <a:ea typeface="Montserrat Medium"/>
+                <a:cs typeface="Montserrat Medium"/>
+                <a:sym typeface="Montserrat Medium"/>
+              </a:rPr>
+              <a:t>DEEP</a:t>
+            </a:r>
+            <a:endParaRPr>
+              <a:latin typeface="Montserrat Medium"/>
+              <a:ea typeface="Montserrat Medium"/>
+              <a:cs typeface="Montserrat Medium"/>
+              <a:sym typeface="Montserrat Medium"/>
+            </a:endParaRPr>
+          </a:p>
+          <a:p>
+            <a:pPr indent="0" lvl="0" marL="0" marR="0" rtl="0" algn="ctr">
+              <a:lnSpc>
+                <a:spcPct val="90000"/>
+              </a:lnSpc>
+              <a:spcBef>
+                <a:spcPts val="0"/>
+              </a:spcBef>
+              <a:spcAft>
+                <a:spcPts val="0"/>
+              </a:spcAft>
+              <a:buClr>
+                <a:schemeClr val="lt2"/>
+              </a:buClr>
+              <a:buSzPct val="100000"/>
+              <a:buFont typeface="Arial"/>
+              <a:buNone/>
+            </a:pPr>
+            <a:r>
+              <a:rPr lang="en-US" sz="2800" cap="none">
+                <a:solidFill>
+                  <a:schemeClr val="lt2"/>
+                </a:solidFill>
+                <a:latin typeface="Montserrat Medium"/>
+                <a:ea typeface="Montserrat Medium"/>
+                <a:cs typeface="Montserrat Medium"/>
+                <a:sym typeface="Montserrat Medium"/>
+              </a:rPr>
+              <a:t>LEARNING</a:t>
+            </a:r>
+            <a:endParaRPr>
+              <a:latin typeface="Montserrat Medium"/>
+              <a:ea typeface="Montserrat Medium"/>
+              <a:cs typeface="Montserrat Medium"/>
+              <a:sym typeface="Montserrat Medium"/>
+            </a:endParaRPr>
+          </a:p>
+        </p:txBody>
+      </p:sp>
+      <p:sp>
+        <p:nvSpPr>
+          <p:cNvPr id="354" name="Google Shape;354;p5"/>
+          <p:cNvSpPr/>
+          <p:nvPr/>
+        </p:nvSpPr>
+        <p:spPr>
+          <a:xfrm>
+            <a:off x="6519999" y="3414827"/>
+            <a:ext cx="2520000" cy="2520000"/>
+          </a:xfrm>
+          <a:prstGeom prst="ellipse">
+            <a:avLst/>
+          </a:prstGeom>
+          <a:solidFill>
+            <a:srgbClr val="433D2E">
+              <a:alpha val="74901"/>
+            </a:srgbClr>
+          </a:solidFill>
+          <a:ln>
+            <a:noFill/>
+          </a:ln>
+        </p:spPr>
+        <p:txBody>
+          <a:bodyPr anchorCtr="0" anchor="ctr" bIns="45700" lIns="91425" spcFirstLastPara="1" rIns="91425" wrap="square" tIns="45700">
+            <a:noAutofit/>
+          </a:bodyPr>
+          <a:lstStyle/>
+          <a:p>
+            <a:pPr indent="0" lvl="0" marL="0" marR="0" rtl="0" algn="ctr">
+              <a:spcBef>
+                <a:spcPts val="0"/>
+              </a:spcBef>
+              <a:spcAft>
+                <a:spcPts val="0"/>
+              </a:spcAft>
+              <a:buNone/>
+            </a:pPr>
+            <a:r>
+              <a:t/>
+            </a:r>
+            <a:endParaRPr sz="1800">
+              <a:solidFill>
+                <a:schemeClr val="lt1"/>
+              </a:solidFill>
+              <a:latin typeface="Montserrat Medium"/>
+              <a:ea typeface="Montserrat Medium"/>
+              <a:cs typeface="Montserrat Medium"/>
+              <a:sym typeface="Montserrat Medium"/>
+            </a:endParaRPr>
+          </a:p>
+        </p:txBody>
+      </p:sp>
+      <p:sp>
+        <p:nvSpPr>
+          <p:cNvPr id="355" name="Google Shape;355;p5"/>
+          <p:cNvSpPr txBox="1"/>
+          <p:nvPr/>
+        </p:nvSpPr>
+        <p:spPr>
+          <a:xfrm>
+            <a:off x="6758534" y="4358779"/>
+            <a:ext cx="2042929" cy="676276"/>
+          </a:xfrm>
+          <a:prstGeom prst="rect">
+            <a:avLst/>
+          </a:prstGeom>
+          <a:noFill/>
+          <a:ln>
+            <a:noFill/>
+          </a:ln>
+        </p:spPr>
+        <p:txBody>
+          <a:bodyPr anchorCtr="0" anchor="ctr" bIns="45700" lIns="91425" spcFirstLastPara="1" rIns="91425" wrap="square" tIns="45700">
+            <a:normAutofit fontScale="92500" lnSpcReduction="20000"/>
+          </a:bodyPr>
+          <a:lstStyle/>
+          <a:p>
+            <a:pPr indent="0" lvl="0" marL="0" marR="0" rtl="0" algn="ctr">
+              <a:lnSpc>
+                <a:spcPct val="90000"/>
+              </a:lnSpc>
+              <a:spcBef>
+                <a:spcPts val="0"/>
+              </a:spcBef>
+              <a:spcAft>
+                <a:spcPts val="0"/>
+              </a:spcAft>
+              <a:buClr>
+                <a:schemeClr val="lt1"/>
+              </a:buClr>
+              <a:buSzPct val="100000"/>
+              <a:buFont typeface="Arial"/>
+              <a:buNone/>
+            </a:pPr>
+            <a:r>
+              <a:rPr lang="en-US" sz="2800" cap="none">
+                <a:solidFill>
+                  <a:schemeClr val="lt1"/>
+                </a:solidFill>
+                <a:latin typeface="Montserrat Medium"/>
+                <a:ea typeface="Montserrat Medium"/>
+                <a:cs typeface="Montserrat Medium"/>
+                <a:sym typeface="Montserrat Medium"/>
+              </a:rPr>
+              <a:t>DATA</a:t>
+            </a:r>
+            <a:endParaRPr>
+              <a:latin typeface="Montserrat Medium"/>
+              <a:ea typeface="Montserrat Medium"/>
+              <a:cs typeface="Montserrat Medium"/>
+              <a:sym typeface="Montserrat Medium"/>
+            </a:endParaRPr>
+          </a:p>
+          <a:p>
+            <a:pPr indent="0" lvl="0" marL="0" marR="0" rtl="0" algn="ctr">
+              <a:lnSpc>
+                <a:spcPct val="90000"/>
+              </a:lnSpc>
+              <a:spcBef>
+                <a:spcPts val="0"/>
+              </a:spcBef>
+              <a:spcAft>
+                <a:spcPts val="0"/>
+              </a:spcAft>
+              <a:buClr>
+                <a:schemeClr val="lt1"/>
+              </a:buClr>
+              <a:buSzPct val="100000"/>
+              <a:buFont typeface="Arial"/>
+              <a:buNone/>
+            </a:pPr>
+            <a:r>
+              <a:rPr lang="en-US" sz="2800" cap="none">
+                <a:solidFill>
+                  <a:schemeClr val="lt1"/>
+                </a:solidFill>
+                <a:latin typeface="Montserrat Medium"/>
+                <a:ea typeface="Montserrat Medium"/>
+                <a:cs typeface="Montserrat Medium"/>
+                <a:sym typeface="Montserrat Medium"/>
+              </a:rPr>
+              <a:t>SCIENCE</a:t>
+            </a:r>
+            <a:endParaRPr>
+              <a:latin typeface="Montserrat Medium"/>
+              <a:ea typeface="Montserrat Medium"/>
+              <a:cs typeface="Montserrat Medium"/>
+              <a:sym typeface="Montserrat Medium"/>
+            </a:endParaRPr>
+          </a:p>
+        </p:txBody>
+      </p:sp>
+    </p:spTree>
+  </p:cSld>
+  <p:clrMapOvr>
+    <a:masterClrMapping/>
+  </p:clrMapOvr>
+  <p:timing>
+    <p:tnLst>
+      <p:par>
+        <p:cTn dur="indefinite" nodeType="tmRoot" restart="never">
+          <p:childTnLst>
+            <p:seq concurrent="1" nextAc="seek">
+              <p:cTn dur="indefinite" id="2" nodeType="mainSeq">
+                <p:childTnLst>
+                  <p:par>
+                    <p:cTn fill="hold">
+                      <p:stCondLst>
+                        <p:cond delay="indefinite"/>
+                        <p:cond evt="onBegin" delay="0">
+                          <p:tn val="2"/>
+                        </p:cond>
+                      </p:stCondLst>
+                      <p:childTnLst>
+                        <p:par>
+                          <p:cTn fill="hold">
+                            <p:stCondLst>
+                              <p:cond delay="0"/>
+                            </p:stCondLst>
+                            <p:childTnLst>
+                              <p:par>
+                                <p:cTn fill="hold" nodeType="afterEffect" presetClass="entr" presetID="10" presetSubtype="0">
+                                  <p:stCondLst>
+                                    <p:cond delay="0"/>
+                                  </p:stCondLst>
+                                  <p:childTnLst>
+                                    <p:set>
+                                      <p:cBhvr>
+                                        <p:cTn dur="1" fill="hold">
+                                          <p:stCondLst>
+                                            <p:cond delay="0"/>
+                                          </p:stCondLst>
+                                        </p:cTn>
+                                        <p:tgtEl>
+                                          <p:spTgt spid="347"/>
+                                        </p:tgtEl>
+                                        <p:attrNameLst>
+                                          <p:attrName>style.visibility</p:attrName>
+                                        </p:attrNameLst>
+                                      </p:cBhvr>
+                                      <p:to>
+                                        <p:strVal val="visible"/>
+                                      </p:to>
+                                    </p:set>
+                                    <p:animEffect filter="fade" transition="in">
+                                      <p:cBhvr>
+                                        <p:cTn dur="1000"/>
+                                        <p:tgtEl>
+                                          <p:spTgt spid="347"/>
+                                        </p:tgtEl>
+                                      </p:cBhvr>
+                                    </p:animEffect>
+                                  </p:childTnLst>
+                                </p:cTn>
+                              </p:par>
+                            </p:childTnLst>
+                          </p:cTn>
+                        </p:par>
+                      </p:childTnLst>
+                    </p:cTn>
+                  </p:par>
+                  <p:par>
+                    <p:cTn fill="hold">
+                      <p:stCondLst>
+                        <p:cond delay="indefinite"/>
+                      </p:stCondLst>
+                      <p:childTnLst>
+                        <p:par>
+                          <p:cTn fill="hold">
+                            <p:stCondLst>
+                              <p:cond delay="0"/>
+                            </p:stCondLst>
+                            <p:childTnLst>
+                              <p:par>
+                                <p:cTn fill="hold" nodeType="clickEffect" presetClass="entr" presetID="10" presetSubtype="0">
+                                  <p:stCondLst>
+                                    <p:cond delay="0"/>
+                                  </p:stCondLst>
+                                  <p:childTnLst>
+                                    <p:set>
+                                      <p:cBhvr>
+                                        <p:cTn dur="1" fill="hold">
+                                          <p:stCondLst>
+                                            <p:cond delay="0"/>
+                                          </p:stCondLst>
+                                        </p:cTn>
+                                        <p:tgtEl>
+                                          <p:spTgt spid="348"/>
+                                        </p:tgtEl>
+                                        <p:attrNameLst>
+                                          <p:attrName>style.visibility</p:attrName>
+                                        </p:attrNameLst>
+                                      </p:cBhvr>
+                                      <p:to>
+                                        <p:strVal val="visible"/>
+                                      </p:to>
+                                    </p:set>
+                                    <p:animEffect filter="fade" transition="in">
+                                      <p:cBhvr>
+                                        <p:cTn dur="1000"/>
+                                        <p:tgtEl>
+                                          <p:spTgt spid="348"/>
+                                        </p:tgtEl>
+                                      </p:cBhvr>
+                                    </p:animEffect>
+                                  </p:childTnLst>
+                                </p:cTn>
+                              </p:par>
+                              <p:par>
+                                <p:cTn fill="hold" nodeType="withEffect" presetClass="entr" presetID="10" presetSubtype="0">
                                   <p:stCondLst>
                                     <p:cond delay="0"/>
                                   </p:stCondLst>
@@ -47075,6 +47005,41 @@
                                           </p:stCondLst>
                                         </p:cTn>
                                         <p:tgtEl>
+                                          <p:spTgt spid="349"/>
+                                        </p:tgtEl>
+                                        <p:attrNameLst>
+                                          <p:attrName>style.visibility</p:attrName>
+                                        </p:attrNameLst>
+                                      </p:cBhvr>
+                                      <p:to>
+                                        <p:strVal val="visible"/>
+                                      </p:to>
+                                    </p:set>
+                                    <p:animEffect filter="fade" transition="in">
+                                      <p:cBhvr>
+                                        <p:cTn dur="1000"/>
+                                        <p:tgtEl>
+                                          <p:spTgt spid="349"/>
+                                        </p:tgtEl>
+                                      </p:cBhvr>
+                                    </p:animEffect>
+                                  </p:childTnLst>
+                                </p:cTn>
+                              </p:par>
+                              <p:par>
+                                <p:cTn fill="hold" nodeType="withEffect" presetClass="entr" presetID="10" presetSubtype="0">
+                                  <p:stCondLst>
+                                    <p:cond delay="0"/>
+                                  </p:stCondLst>
+                                  <p:childTnLst>
+                                    <p:set>
+                                      <p:cBhvr>
+                                        <p:cTn dur="1" fill="hold">
+                                          <p:stCondLst>
+                                            <p:cond delay="0"/>
+                                          </p:stCondLst>
+                                        </p:cTn>
+                                        <p:tgtEl>
                                           <p:spTgt spid="352"/>
                                         </p:tgtEl>
                                         <p:attrNameLst>
@@ -47099,14 +47064,58 @@
                             </p:childTnLst>
                           </p:cTn>
                         </p:par>
+                      </p:childTnLst>
+                    </p:cTn>
+                  </p:par>
+                  <p:par>
+                    <p:cTn fill="hold">
+                      <p:stCondLst>
+                        <p:cond delay="indefinite"/>
+                      </p:stCondLst>
+                      <p:childTnLst>
                         <p:par>
                           <p:cTn fill="hold">
                             <p:stCondLst>
-                              <p:cond delay="1000"/>
+                              <p:cond delay="0"/>
                             </p:stCondLst>
                             <p:childTnLst>
                               <p:par>
-                                <p:cTn fill="hold" nodeType="afterEffect" presetClass="entr" presetID="10" presetSubtype="0">
+                                <p:cTn fill="hold" nodeType="clickEffect" presetClass="entr" presetID="10" presetSubtype="0">
+                                  <p:stCondLst>
+                                    <p:cond delay="0"/>
+                                  </p:stCondLst>
+                                  <p:childTnLst>
+                                    <p:set>
+                                      <p:cBhvr>
+                                        <p:cTn dur="1" fill="hold">
+                                          <p:stCondLst>
+                                            <p:cond delay="0"/>
+                                          </p:stCondLst>
+                                        </p:cTn>
+                                        <p:tgtEl>
+                                          <p:spTgt spid="350"/>
+                                        </p:tgtEl>
+                                        <p:attrNameLst>
+                                          <p:attrName>style.visibility</p:attrName>
+                                        </p:attrNameLst>
+                                      </p:cBhvr>
+                                      <p:to>
+                                        <p:strVal val="visible"/>
+                                      </p:to>
+                                    </p:set>
+                                    <p:animEffect filter="fade" transition="in">
+                                      <p:cBhvr>
+                                        <p:cTn dur="1000"/>
+                                        <p:tgtEl>
+                                          <p:spTgt spid="350"/>
+                                        </p:tgtEl>
+                                      </p:cBhvr>
+                                    </p:animEffect>
+                                  </p:childTnLst>
+                                </p:cTn>
+                              </p:par>
+                              <p:par>
+                                <p:cTn fill="hold" nodeType="withEffect" presetClass="entr" presetID="10" presetSubtype="0">
                                   <p:stCondLst>
                                     <p:cond delay="0"/>
                                   </p:stCondLst>
@@ -47193,17 +47202,8 @@
                                   </p:childTnLst>
                                 </p:cTn>
                               </p:par>
-                            </p:childTnLst>
-                          </p:cTn>
-                        </p:par>
-                        <p:par>
-                          <p:cTn fill="hold">
-                            <p:stCondLst>
-                              <p:cond delay="1000"/>
-                            </p:stCondLst>
-                            <p:childTnLst>
                               <p:par>
-                                <p:cTn fill="hold" nodeType="afterEffect" presetClass="entr" presetID="10" presetSubtype="0">
+                                <p:cTn fill="hold" nodeType="withEffect" presetClass="entr" presetID="10" presetSubtype="0">
                                   <p:stCondLst>
                                     <p:cond delay="0"/>
                                   </p:stCondLst>
